--- a/assets/downloads/Portfolio.pptx
+++ b/assets/downloads/Portfolio.pptx
@@ -4592,51 +4592,851 @@
       </p:grpSpPr>
       <p:sp>
         <p:nvSpPr>
-          <p:cNvPr id="2" name="Title 1">
-            <a:extLst>
-              <a:ext uri="{FF2B5EF4-FFF2-40B4-BE49-F238E27FC236}">
-                <a16:creationId xmlns:a16="http://schemas.microsoft.com/office/drawing/2014/main" id="{7929707F-0EA6-7978-F548-EBEA8AEC4B83}"/>
-              </a:ext>
-            </a:extLst>
-          </p:cNvPr>
-          <p:cNvSpPr>
-            <a:spLocks noGrp="1"/>
-          </p:cNvSpPr>
-          <p:nvPr>
-            <p:ph type="title"/>
-          </p:nvPr>
-        </p:nvSpPr>
-        <p:spPr/>
-        <p:txBody>
-          <a:bodyPr/>
+          <p:cNvPr id="3" name="Content Placeholder 2">
+            <a:extLst>
+              <a:ext uri="{FF2B5EF4-FFF2-40B4-BE49-F238E27FC236}">
+                <a16:creationId xmlns:a16="http://schemas.microsoft.com/office/drawing/2014/main" id="{D36D1E0C-3ECF-1780-9388-9611281C3C58}"/>
+              </a:ext>
+            </a:extLst>
+          </p:cNvPr>
+          <p:cNvSpPr>
+            <a:spLocks noGrp="1"/>
+          </p:cNvSpPr>
+          <p:nvPr>
+            <p:ph idx="1"/>
+          </p:nvPr>
+        </p:nvSpPr>
+        <p:spPr>
+          <a:xfrm>
+            <a:off x="838200" y="304800"/>
+            <a:ext cx="10515600" cy="5872163"/>
+          </a:xfrm>
+        </p:spPr>
+        <p:txBody>
+          <a:bodyPr>
+            <a:normAutofit fontScale="32500" lnSpcReduction="20000"/>
+          </a:bodyPr>
           <a:lstStyle/>
           <a:p>
-            <a:endParaRPr lang="en-NL"/>
-          </a:p>
-        </p:txBody>
-      </p:sp>
-      <p:sp>
-        <p:nvSpPr>
-          <p:cNvPr id="3" name="Content Placeholder 2">
-            <a:extLst>
-              <a:ext uri="{FF2B5EF4-FFF2-40B4-BE49-F238E27FC236}">
-                <a16:creationId xmlns:a16="http://schemas.microsoft.com/office/drawing/2014/main" id="{D36D1E0C-3ECF-1780-9388-9611281C3C58}"/>
-              </a:ext>
-            </a:extLst>
-          </p:cNvPr>
-          <p:cNvSpPr>
-            <a:spLocks noGrp="1"/>
-          </p:cNvSpPr>
-          <p:nvPr>
-            <p:ph idx="1"/>
-          </p:nvPr>
-        </p:nvSpPr>
-        <p:spPr/>
-        <p:txBody>
-          <a:bodyPr/>
-          <a:lstStyle/>
-          <a:p>
-            <a:endParaRPr lang="en-NL"/>
+            <a:r>
+              <a:rPr lang="en-GB" b="0" dirty="0">
+                <a:solidFill>
+                  <a:srgbClr val="808080"/>
+                </a:solidFill>
+                <a:effectLst/>
+                <a:latin typeface="Menlo" panose="020B0609030804020204" pitchFamily="49" charset="0"/>
+              </a:rPr>
+              <a:t>&lt;</a:t>
+            </a:r>
+            <a:r>
+              <a:rPr lang="en-GB" b="0" dirty="0" err="1">
+                <a:solidFill>
+                  <a:srgbClr val="569CD6"/>
+                </a:solidFill>
+                <a:effectLst/>
+                <a:latin typeface="Menlo" panose="020B0609030804020204" pitchFamily="49" charset="0"/>
+              </a:rPr>
+              <a:t>br</a:t>
+            </a:r>
+            <a:r>
+              <a:rPr lang="en-GB" b="0" dirty="0">
+                <a:solidFill>
+                  <a:srgbClr val="808080"/>
+                </a:solidFill>
+                <a:effectLst/>
+                <a:latin typeface="Menlo" panose="020B0609030804020204" pitchFamily="49" charset="0"/>
+              </a:rPr>
+              <a:t>&gt;</a:t>
+            </a:r>
+            <a:endParaRPr lang="en-GB" b="0" dirty="0">
+              <a:solidFill>
+                <a:srgbClr val="D4D4D4"/>
+              </a:solidFill>
+              <a:effectLst/>
+              <a:latin typeface="Menlo" panose="020B0609030804020204" pitchFamily="49" charset="0"/>
+            </a:endParaRPr>
+          </a:p>
+          <a:p>
+            <a:r>
+              <a:rPr lang="en-GB" b="0" dirty="0">
+                <a:solidFill>
+                  <a:srgbClr val="D4D4D4"/>
+                </a:solidFill>
+                <a:effectLst/>
+                <a:latin typeface="Menlo" panose="020B0609030804020204" pitchFamily="49" charset="0"/>
+              </a:rPr>
+              <a:t>Compositionally, the idea behind </a:t>
+            </a:r>
+            <a:r>
+              <a:rPr lang="en-GB" b="0" dirty="0" err="1">
+                <a:solidFill>
+                  <a:srgbClr val="D4D4D4"/>
+                </a:solidFill>
+                <a:effectLst/>
+                <a:latin typeface="Menlo" panose="020B0609030804020204" pitchFamily="49" charset="0"/>
+              </a:rPr>
+              <a:t>Klanksneden</a:t>
+            </a:r>
+            <a:r>
+              <a:rPr lang="en-GB" b="0" dirty="0">
+                <a:solidFill>
+                  <a:srgbClr val="D4D4D4"/>
+                </a:solidFill>
+                <a:effectLst/>
+                <a:latin typeface="Menlo" panose="020B0609030804020204" pitchFamily="49" charset="0"/>
+              </a:rPr>
+              <a:t> was to create a dialectical narrative between the electronic sampling and </a:t>
+            </a:r>
+          </a:p>
+          <a:p>
+            <a:r>
+              <a:rPr lang="en-GB" b="0" dirty="0">
+                <a:solidFill>
+                  <a:srgbClr val="D4D4D4"/>
+                </a:solidFill>
+                <a:effectLst/>
+                <a:latin typeface="Menlo" panose="020B0609030804020204" pitchFamily="49" charset="0"/>
+              </a:rPr>
+              <a:t>synth sounds of </a:t>
+            </a:r>
+            <a:r>
+              <a:rPr lang="en-GB" b="0" dirty="0">
+                <a:solidFill>
+                  <a:srgbClr val="808080"/>
+                </a:solidFill>
+                <a:effectLst/>
+                <a:latin typeface="Menlo" panose="020B0609030804020204" pitchFamily="49" charset="0"/>
+              </a:rPr>
+              <a:t>&lt;</a:t>
+            </a:r>
+            <a:r>
+              <a:rPr lang="en-GB" b="0" dirty="0" err="1">
+                <a:solidFill>
+                  <a:srgbClr val="569CD6"/>
+                </a:solidFill>
+                <a:effectLst/>
+                <a:latin typeface="Menlo" panose="020B0609030804020204" pitchFamily="49" charset="0"/>
+              </a:rPr>
+              <a:t>i</a:t>
+            </a:r>
+            <a:r>
+              <a:rPr lang="en-GB" b="0" dirty="0">
+                <a:solidFill>
+                  <a:srgbClr val="808080"/>
+                </a:solidFill>
+                <a:effectLst/>
+                <a:latin typeface="Menlo" panose="020B0609030804020204" pitchFamily="49" charset="0"/>
+              </a:rPr>
+              <a:t>&gt;</a:t>
+            </a:r>
+            <a:r>
+              <a:rPr lang="en-GB" b="0" dirty="0">
+                <a:solidFill>
+                  <a:srgbClr val="D4D4D4"/>
+                </a:solidFill>
+                <a:effectLst/>
+                <a:latin typeface="Menlo" panose="020B0609030804020204" pitchFamily="49" charset="0"/>
+              </a:rPr>
+              <a:t>Interior Design</a:t>
+            </a:r>
+            <a:r>
+              <a:rPr lang="en-GB" b="0" dirty="0">
+                <a:solidFill>
+                  <a:srgbClr val="808080"/>
+                </a:solidFill>
+                <a:effectLst/>
+                <a:latin typeface="Menlo" panose="020B0609030804020204" pitchFamily="49" charset="0"/>
+              </a:rPr>
+              <a:t>&lt;/</a:t>
+            </a:r>
+            <a:r>
+              <a:rPr lang="en-GB" b="0" dirty="0" err="1">
+                <a:solidFill>
+                  <a:srgbClr val="569CD6"/>
+                </a:solidFill>
+                <a:effectLst/>
+                <a:latin typeface="Menlo" panose="020B0609030804020204" pitchFamily="49" charset="0"/>
+              </a:rPr>
+              <a:t>i</a:t>
+            </a:r>
+            <a:r>
+              <a:rPr lang="en-GB" b="0" dirty="0">
+                <a:solidFill>
+                  <a:srgbClr val="808080"/>
+                </a:solidFill>
+                <a:effectLst/>
+                <a:latin typeface="Menlo" panose="020B0609030804020204" pitchFamily="49" charset="0"/>
+              </a:rPr>
+              <a:t>&gt;</a:t>
+            </a:r>
+            <a:r>
+              <a:rPr lang="en-GB" b="0" dirty="0">
+                <a:solidFill>
+                  <a:srgbClr val="D4D4D4"/>
+                </a:solidFill>
+                <a:effectLst/>
+                <a:latin typeface="Menlo" panose="020B0609030804020204" pitchFamily="49" charset="0"/>
+              </a:rPr>
+              <a:t>, and the acoustic sounds of the choir and the violin, in the context of the reverberation </a:t>
+            </a:r>
+          </a:p>
+          <a:p>
+            <a:r>
+              <a:rPr lang="en-GB" b="0" dirty="0">
+                <a:solidFill>
+                  <a:srgbClr val="D4D4D4"/>
+                </a:solidFill>
+                <a:effectLst/>
+                <a:latin typeface="Menlo" panose="020B0609030804020204" pitchFamily="49" charset="0"/>
+              </a:rPr>
+              <a:t>and resonance from the architecture of the church. The performance introduces the two elements of electronics and acoustic </a:t>
+            </a:r>
+          </a:p>
+          <a:p>
+            <a:r>
+              <a:rPr lang="en-GB" b="0" dirty="0">
+                <a:solidFill>
+                  <a:srgbClr val="D4D4D4"/>
+                </a:solidFill>
+                <a:effectLst/>
+                <a:latin typeface="Menlo" panose="020B0609030804020204" pitchFamily="49" charset="0"/>
+              </a:rPr>
+              <a:t>as harmonious yet separate, toying with subverting the expectations of what classically trained musicians would traditionally </a:t>
+            </a:r>
+          </a:p>
+          <a:p>
+            <a:r>
+              <a:rPr lang="en-GB" b="0" dirty="0">
+                <a:solidFill>
+                  <a:srgbClr val="D4D4D4"/>
+                </a:solidFill>
+                <a:effectLst/>
+                <a:latin typeface="Menlo" panose="020B0609030804020204" pitchFamily="49" charset="0"/>
+              </a:rPr>
+              <a:t>perform in these spaces, and the presence of this ominous electronic moving bass. Throughout the performance there was a blending </a:t>
+            </a:r>
+          </a:p>
+          <a:p>
+            <a:r>
+              <a:rPr lang="en-GB" b="0" dirty="0">
+                <a:solidFill>
+                  <a:srgbClr val="D4D4D4"/>
+                </a:solidFill>
+                <a:effectLst/>
+                <a:latin typeface="Menlo" panose="020B0609030804020204" pitchFamily="49" charset="0"/>
+              </a:rPr>
+              <a:t>and morphing of the electroacoustic, with strong points of harmony between the electronic soundscapes and vocal melodies, and </a:t>
+            </a:r>
+          </a:p>
+          <a:p>
+            <a:r>
+              <a:rPr lang="en-GB" b="0" dirty="0">
+                <a:solidFill>
+                  <a:srgbClr val="D4D4D4"/>
+                </a:solidFill>
+                <a:effectLst/>
+                <a:latin typeface="Menlo" panose="020B0609030804020204" pitchFamily="49" charset="0"/>
+              </a:rPr>
+              <a:t>other descents of a complete loss of tonality and coherence. Where within the context of the church, the sounds accentuate further </a:t>
+            </a:r>
+          </a:p>
+          <a:p>
+            <a:r>
+              <a:rPr lang="en-GB" b="0" dirty="0">
+                <a:solidFill>
+                  <a:srgbClr val="D4D4D4"/>
+                </a:solidFill>
+                <a:effectLst/>
+                <a:latin typeface="Menlo" panose="020B0609030804020204" pitchFamily="49" charset="0"/>
+              </a:rPr>
+              <a:t>in their potence and prominence. Culminating in a return to a particular traditionality through the vocal line, a common </a:t>
+            </a:r>
+          </a:p>
+          <a:p>
+            <a:r>
+              <a:rPr lang="en-GB" b="0" dirty="0">
+                <a:solidFill>
+                  <a:srgbClr val="D4D4D4"/>
+                </a:solidFill>
+                <a:effectLst/>
+                <a:latin typeface="Menlo" panose="020B0609030804020204" pitchFamily="49" charset="0"/>
+              </a:rPr>
+              <a:t>triumphant harmonious climactic return, with a deconstructed club-</a:t>
+            </a:r>
+            <a:r>
+              <a:rPr lang="en-GB" b="0" dirty="0" err="1">
+                <a:solidFill>
+                  <a:srgbClr val="D4D4D4"/>
+                </a:solidFill>
+                <a:effectLst/>
+                <a:latin typeface="Menlo" panose="020B0609030804020204" pitchFamily="49" charset="0"/>
+              </a:rPr>
+              <a:t>esque</a:t>
+            </a:r>
+            <a:r>
+              <a:rPr lang="en-GB" b="0" dirty="0">
+                <a:solidFill>
+                  <a:srgbClr val="D4D4D4"/>
+                </a:solidFill>
+                <a:effectLst/>
+                <a:latin typeface="Menlo" panose="020B0609030804020204" pitchFamily="49" charset="0"/>
+              </a:rPr>
+              <a:t> rhythm which loses itself in the resonance of the church. </a:t>
+            </a:r>
+          </a:p>
+          <a:p>
+            <a:r>
+              <a:rPr lang="en-GB" b="0" dirty="0">
+                <a:solidFill>
+                  <a:srgbClr val="D4D4D4"/>
+                </a:solidFill>
+                <a:effectLst/>
+                <a:latin typeface="Menlo" panose="020B0609030804020204" pitchFamily="49" charset="0"/>
+              </a:rPr>
+              <a:t>Using this narrative approach within our composition, it allowed for specific movements and overarching sonic landscape to be </a:t>
+            </a:r>
+          </a:p>
+          <a:p>
+            <a:r>
+              <a:rPr lang="en-GB" b="0" dirty="0">
+                <a:solidFill>
+                  <a:srgbClr val="D4D4D4"/>
+                </a:solidFill>
+                <a:effectLst/>
+                <a:latin typeface="Menlo" panose="020B0609030804020204" pitchFamily="49" charset="0"/>
+              </a:rPr>
+              <a:t>created, whilst still allowing for improvisation and musicality to play a central role in and between each movement.</a:t>
+            </a:r>
+          </a:p>
+          <a:p>
+            <a:r>
+              <a:rPr lang="en-GB" b="0" dirty="0">
+                <a:solidFill>
+                  <a:srgbClr val="808080"/>
+                </a:solidFill>
+                <a:effectLst/>
+                <a:latin typeface="Menlo" panose="020B0609030804020204" pitchFamily="49" charset="0"/>
+              </a:rPr>
+              <a:t>&lt;</a:t>
+            </a:r>
+            <a:r>
+              <a:rPr lang="en-GB" b="0" dirty="0" err="1">
+                <a:solidFill>
+                  <a:srgbClr val="569CD6"/>
+                </a:solidFill>
+                <a:effectLst/>
+                <a:latin typeface="Menlo" panose="020B0609030804020204" pitchFamily="49" charset="0"/>
+              </a:rPr>
+              <a:t>br</a:t>
+            </a:r>
+            <a:r>
+              <a:rPr lang="en-GB" b="0" dirty="0">
+                <a:solidFill>
+                  <a:srgbClr val="808080"/>
+                </a:solidFill>
+                <a:effectLst/>
+                <a:latin typeface="Menlo" panose="020B0609030804020204" pitchFamily="49" charset="0"/>
+              </a:rPr>
+              <a:t>&gt;</a:t>
+            </a:r>
+            <a:endParaRPr lang="en-GB" b="0" dirty="0">
+              <a:solidFill>
+                <a:srgbClr val="D4D4D4"/>
+              </a:solidFill>
+              <a:effectLst/>
+              <a:latin typeface="Menlo" panose="020B0609030804020204" pitchFamily="49" charset="0"/>
+            </a:endParaRPr>
+          </a:p>
+          <a:p>
+            <a:r>
+              <a:rPr lang="en-GB" b="0" dirty="0">
+                <a:solidFill>
+                  <a:srgbClr val="808080"/>
+                </a:solidFill>
+                <a:effectLst/>
+                <a:latin typeface="Menlo" panose="020B0609030804020204" pitchFamily="49" charset="0"/>
+              </a:rPr>
+              <a:t>&lt;</a:t>
+            </a:r>
+            <a:r>
+              <a:rPr lang="en-GB" b="0" dirty="0" err="1">
+                <a:solidFill>
+                  <a:srgbClr val="569CD6"/>
+                </a:solidFill>
+                <a:effectLst/>
+                <a:latin typeface="Menlo" panose="020B0609030804020204" pitchFamily="49" charset="0"/>
+              </a:rPr>
+              <a:t>br</a:t>
+            </a:r>
+            <a:r>
+              <a:rPr lang="en-GB" b="0" dirty="0">
+                <a:solidFill>
+                  <a:srgbClr val="808080"/>
+                </a:solidFill>
+                <a:effectLst/>
+                <a:latin typeface="Menlo" panose="020B0609030804020204" pitchFamily="49" charset="0"/>
+              </a:rPr>
+              <a:t>&gt;</a:t>
+            </a:r>
+            <a:r>
+              <a:rPr lang="en-GB" b="0" dirty="0">
+                <a:solidFill>
+                  <a:srgbClr val="D4D4D4"/>
+                </a:solidFill>
+                <a:effectLst/>
+                <a:latin typeface="Menlo" panose="020B0609030804020204" pitchFamily="49" charset="0"/>
+              </a:rPr>
+              <a:t> </a:t>
+            </a:r>
+          </a:p>
+          <a:p>
+            <a:r>
+              <a:rPr lang="en-GB" b="0" dirty="0">
+                <a:solidFill>
+                  <a:srgbClr val="D4D4D4"/>
+                </a:solidFill>
+                <a:effectLst/>
+                <a:latin typeface="Menlo" panose="020B0609030804020204" pitchFamily="49" charset="0"/>
+              </a:rPr>
+              <a:t>The performance was recorded on a Zoom H4n and mastered by </a:t>
+            </a:r>
+            <a:r>
+              <a:rPr lang="en-GB" b="0" dirty="0">
+                <a:solidFill>
+                  <a:srgbClr val="808080"/>
+                </a:solidFill>
+                <a:effectLst/>
+                <a:latin typeface="Menlo" panose="020B0609030804020204" pitchFamily="49" charset="0"/>
+              </a:rPr>
+              <a:t>&lt;</a:t>
+            </a:r>
+            <a:r>
+              <a:rPr lang="en-GB" b="0" dirty="0" err="1">
+                <a:solidFill>
+                  <a:srgbClr val="569CD6"/>
+                </a:solidFill>
+                <a:effectLst/>
+                <a:latin typeface="Menlo" panose="020B0609030804020204" pitchFamily="49" charset="0"/>
+              </a:rPr>
+              <a:t>i</a:t>
+            </a:r>
+            <a:r>
+              <a:rPr lang="en-GB" b="0" dirty="0">
+                <a:solidFill>
+                  <a:srgbClr val="808080"/>
+                </a:solidFill>
+                <a:effectLst/>
+                <a:latin typeface="Menlo" panose="020B0609030804020204" pitchFamily="49" charset="0"/>
+              </a:rPr>
+              <a:t>&gt;</a:t>
+            </a:r>
+            <a:r>
+              <a:rPr lang="en-GB" b="0" dirty="0">
+                <a:solidFill>
+                  <a:srgbClr val="D4D4D4"/>
+                </a:solidFill>
+                <a:effectLst/>
+                <a:latin typeface="Menlo" panose="020B0609030804020204" pitchFamily="49" charset="0"/>
+              </a:rPr>
+              <a:t>Interior Design</a:t>
+            </a:r>
+            <a:r>
+              <a:rPr lang="en-GB" b="0" dirty="0">
+                <a:solidFill>
+                  <a:srgbClr val="808080"/>
+                </a:solidFill>
+                <a:effectLst/>
+                <a:latin typeface="Menlo" panose="020B0609030804020204" pitchFamily="49" charset="0"/>
+              </a:rPr>
+              <a:t>&lt;/</a:t>
+            </a:r>
+            <a:r>
+              <a:rPr lang="en-GB" b="0" dirty="0" err="1">
+                <a:solidFill>
+                  <a:srgbClr val="569CD6"/>
+                </a:solidFill>
+                <a:effectLst/>
+                <a:latin typeface="Menlo" panose="020B0609030804020204" pitchFamily="49" charset="0"/>
+              </a:rPr>
+              <a:t>i</a:t>
+            </a:r>
+            <a:r>
+              <a:rPr lang="en-GB" b="0" dirty="0">
+                <a:solidFill>
+                  <a:srgbClr val="808080"/>
+                </a:solidFill>
+                <a:effectLst/>
+                <a:latin typeface="Menlo" panose="020B0609030804020204" pitchFamily="49" charset="0"/>
+              </a:rPr>
+              <a:t>&gt;</a:t>
+            </a:r>
+            <a:r>
+              <a:rPr lang="en-GB" b="0" dirty="0">
+                <a:solidFill>
+                  <a:srgbClr val="D4D4D4"/>
+                </a:solidFill>
+                <a:effectLst/>
+                <a:latin typeface="Menlo" panose="020B0609030804020204" pitchFamily="49" charset="0"/>
+              </a:rPr>
+              <a:t>. </a:t>
+            </a:r>
+          </a:p>
+          <a:p>
+            <a:r>
+              <a:rPr lang="en-GB" b="0" dirty="0">
+                <a:solidFill>
+                  <a:srgbClr val="808080"/>
+                </a:solidFill>
+                <a:effectLst/>
+                <a:latin typeface="Menlo" panose="020B0609030804020204" pitchFamily="49" charset="0"/>
+              </a:rPr>
+              <a:t>&lt;</a:t>
+            </a:r>
+            <a:r>
+              <a:rPr lang="en-GB" b="0" dirty="0" err="1">
+                <a:solidFill>
+                  <a:srgbClr val="569CD6"/>
+                </a:solidFill>
+                <a:effectLst/>
+                <a:latin typeface="Menlo" panose="020B0609030804020204" pitchFamily="49" charset="0"/>
+              </a:rPr>
+              <a:t>br</a:t>
+            </a:r>
+            <a:r>
+              <a:rPr lang="en-GB" b="0" dirty="0">
+                <a:solidFill>
+                  <a:srgbClr val="808080"/>
+                </a:solidFill>
+                <a:effectLst/>
+                <a:latin typeface="Menlo" panose="020B0609030804020204" pitchFamily="49" charset="0"/>
+              </a:rPr>
+              <a:t>&gt;</a:t>
+            </a:r>
+            <a:endParaRPr lang="en-GB" b="0" dirty="0">
+              <a:solidFill>
+                <a:srgbClr val="D4D4D4"/>
+              </a:solidFill>
+              <a:effectLst/>
+              <a:latin typeface="Menlo" panose="020B0609030804020204" pitchFamily="49" charset="0"/>
+            </a:endParaRPr>
+          </a:p>
+          <a:p>
+            <a:r>
+              <a:rPr lang="en-GB" b="0" dirty="0">
+                <a:solidFill>
+                  <a:srgbClr val="808080"/>
+                </a:solidFill>
+                <a:effectLst/>
+                <a:latin typeface="Menlo" panose="020B0609030804020204" pitchFamily="49" charset="0"/>
+              </a:rPr>
+              <a:t>&lt;</a:t>
+            </a:r>
+            <a:r>
+              <a:rPr lang="en-GB" b="0" dirty="0" err="1">
+                <a:solidFill>
+                  <a:srgbClr val="569CD6"/>
+                </a:solidFill>
+                <a:effectLst/>
+                <a:latin typeface="Menlo" panose="020B0609030804020204" pitchFamily="49" charset="0"/>
+              </a:rPr>
+              <a:t>br</a:t>
+            </a:r>
+            <a:r>
+              <a:rPr lang="en-GB" b="0" dirty="0">
+                <a:solidFill>
+                  <a:srgbClr val="808080"/>
+                </a:solidFill>
+                <a:effectLst/>
+                <a:latin typeface="Menlo" panose="020B0609030804020204" pitchFamily="49" charset="0"/>
+              </a:rPr>
+              <a:t>&gt;</a:t>
+            </a:r>
+            <a:endParaRPr lang="en-GB" b="0" dirty="0">
+              <a:solidFill>
+                <a:srgbClr val="D4D4D4"/>
+              </a:solidFill>
+              <a:effectLst/>
+              <a:latin typeface="Menlo" panose="020B0609030804020204" pitchFamily="49" charset="0"/>
+            </a:endParaRPr>
+          </a:p>
+          <a:p>
+            <a:r>
+              <a:rPr lang="en-GB" b="0" dirty="0">
+                <a:solidFill>
+                  <a:srgbClr val="D4D4D4"/>
+                </a:solidFill>
+                <a:effectLst/>
+                <a:latin typeface="Menlo" panose="020B0609030804020204" pitchFamily="49" charset="0"/>
+              </a:rPr>
+              <a:t>For our setup, we used a Roland TR-8S, a </a:t>
+            </a:r>
+            <a:r>
+              <a:rPr lang="en-GB" b="0" dirty="0" err="1">
+                <a:solidFill>
+                  <a:srgbClr val="D4D4D4"/>
+                </a:solidFill>
+                <a:effectLst/>
+                <a:latin typeface="Menlo" panose="020B0609030804020204" pitchFamily="49" charset="0"/>
+              </a:rPr>
+              <a:t>Korg</a:t>
+            </a:r>
+            <a:r>
+              <a:rPr lang="en-GB" b="0" dirty="0">
+                <a:solidFill>
+                  <a:srgbClr val="D4D4D4"/>
+                </a:solidFill>
+                <a:effectLst/>
+                <a:latin typeface="Menlo" panose="020B0609030804020204" pitchFamily="49" charset="0"/>
+              </a:rPr>
+              <a:t> MS-20 Mini, a </a:t>
+            </a:r>
+            <a:r>
+              <a:rPr lang="en-GB" b="0" dirty="0" err="1">
+                <a:solidFill>
+                  <a:srgbClr val="D4D4D4"/>
+                </a:solidFill>
+                <a:effectLst/>
+                <a:latin typeface="Menlo" panose="020B0609030804020204" pitchFamily="49" charset="0"/>
+              </a:rPr>
+              <a:t>Beatsep</a:t>
+            </a:r>
+            <a:r>
+              <a:rPr lang="en-GB" b="0" dirty="0">
+                <a:solidFill>
+                  <a:srgbClr val="D4D4D4"/>
+                </a:solidFill>
+                <a:effectLst/>
+                <a:latin typeface="Menlo" panose="020B0609030804020204" pitchFamily="49" charset="0"/>
+              </a:rPr>
+              <a:t> Pro, and we both used computers using Ableton Live 11 </a:t>
+            </a:r>
+          </a:p>
+          <a:p>
+            <a:r>
+              <a:rPr lang="en-GB" b="0" dirty="0">
+                <a:solidFill>
+                  <a:srgbClr val="D4D4D4"/>
+                </a:solidFill>
+                <a:effectLst/>
+                <a:latin typeface="Menlo" panose="020B0609030804020204" pitchFamily="49" charset="0"/>
+              </a:rPr>
+              <a:t>software, all of which were being fed into a Behringer </a:t>
+            </a:r>
+            <a:r>
+              <a:rPr lang="en-GB" b="0" dirty="0" err="1">
+                <a:solidFill>
+                  <a:srgbClr val="D4D4D4"/>
+                </a:solidFill>
+                <a:effectLst/>
+                <a:latin typeface="Menlo" panose="020B0609030804020204" pitchFamily="49" charset="0"/>
+              </a:rPr>
+              <a:t>Xenyx</a:t>
+            </a:r>
+            <a:r>
+              <a:rPr lang="en-GB" b="0" dirty="0">
+                <a:solidFill>
+                  <a:srgbClr val="D4D4D4"/>
+                </a:solidFill>
+                <a:effectLst/>
+                <a:latin typeface="Menlo" panose="020B0609030804020204" pitchFamily="49" charset="0"/>
+              </a:rPr>
+              <a:t> X1622USB. Each member of the choir had a microphone which was </a:t>
+            </a:r>
+          </a:p>
+          <a:p>
+            <a:r>
+              <a:rPr lang="en-GB" b="0" dirty="0">
+                <a:solidFill>
+                  <a:srgbClr val="D4D4D4"/>
+                </a:solidFill>
+                <a:effectLst/>
+                <a:latin typeface="Menlo" panose="020B0609030804020204" pitchFamily="49" charset="0"/>
+              </a:rPr>
+              <a:t>fed through the mixer into a computer system, which were subsequentially manipulated using custom midi mapping with a Pioneer DDJ-400 on </a:t>
+            </a:r>
+          </a:p>
+          <a:p>
+            <a:r>
+              <a:rPr lang="en-GB" b="0" dirty="0">
+                <a:solidFill>
+                  <a:srgbClr val="D4D4D4"/>
+                </a:solidFill>
+                <a:effectLst/>
+                <a:latin typeface="Menlo" panose="020B0609030804020204" pitchFamily="49" charset="0"/>
+              </a:rPr>
+              <a:t>customised audio plugins.</a:t>
+            </a:r>
+          </a:p>
+          <a:p>
+            <a:r>
+              <a:rPr lang="en-GB" b="0" dirty="0">
+                <a:solidFill>
+                  <a:srgbClr val="808080"/>
+                </a:solidFill>
+                <a:effectLst/>
+                <a:latin typeface="Menlo" panose="020B0609030804020204" pitchFamily="49" charset="0"/>
+              </a:rPr>
+              <a:t>&lt;</a:t>
+            </a:r>
+            <a:r>
+              <a:rPr lang="en-GB" b="0" dirty="0" err="1">
+                <a:solidFill>
+                  <a:srgbClr val="569CD6"/>
+                </a:solidFill>
+                <a:effectLst/>
+                <a:latin typeface="Menlo" panose="020B0609030804020204" pitchFamily="49" charset="0"/>
+              </a:rPr>
+              <a:t>br</a:t>
+            </a:r>
+            <a:r>
+              <a:rPr lang="en-GB" b="0" dirty="0">
+                <a:solidFill>
+                  <a:srgbClr val="808080"/>
+                </a:solidFill>
+                <a:effectLst/>
+                <a:latin typeface="Menlo" panose="020B0609030804020204" pitchFamily="49" charset="0"/>
+              </a:rPr>
+              <a:t>&gt;</a:t>
+            </a:r>
+            <a:endParaRPr lang="en-GB" b="0" dirty="0">
+              <a:solidFill>
+                <a:srgbClr val="D4D4D4"/>
+              </a:solidFill>
+              <a:effectLst/>
+              <a:latin typeface="Menlo" panose="020B0609030804020204" pitchFamily="49" charset="0"/>
+            </a:endParaRPr>
+          </a:p>
+          <a:p>
+            <a:r>
+              <a:rPr lang="en-GB" b="0" dirty="0">
+                <a:solidFill>
+                  <a:srgbClr val="808080"/>
+                </a:solidFill>
+                <a:effectLst/>
+                <a:latin typeface="Menlo" panose="020B0609030804020204" pitchFamily="49" charset="0"/>
+              </a:rPr>
+              <a:t>&lt;</a:t>
+            </a:r>
+            <a:r>
+              <a:rPr lang="en-GB" b="0" dirty="0" err="1">
+                <a:solidFill>
+                  <a:srgbClr val="569CD6"/>
+                </a:solidFill>
+                <a:effectLst/>
+                <a:latin typeface="Menlo" panose="020B0609030804020204" pitchFamily="49" charset="0"/>
+              </a:rPr>
+              <a:t>br</a:t>
+            </a:r>
+            <a:r>
+              <a:rPr lang="en-GB" b="0" dirty="0">
+                <a:solidFill>
+                  <a:srgbClr val="808080"/>
+                </a:solidFill>
+                <a:effectLst/>
+                <a:latin typeface="Menlo" panose="020B0609030804020204" pitchFamily="49" charset="0"/>
+              </a:rPr>
+              <a:t>&gt;</a:t>
+            </a:r>
+            <a:endParaRPr lang="en-GB" b="0" dirty="0">
+              <a:solidFill>
+                <a:srgbClr val="D4D4D4"/>
+              </a:solidFill>
+              <a:effectLst/>
+              <a:latin typeface="Menlo" panose="020B0609030804020204" pitchFamily="49" charset="0"/>
+            </a:endParaRPr>
+          </a:p>
+          <a:p>
+            <a:r>
+              <a:rPr lang="en-GB" b="0" dirty="0">
+                <a:solidFill>
+                  <a:srgbClr val="D4D4D4"/>
+                </a:solidFill>
+                <a:effectLst/>
+                <a:latin typeface="Menlo" panose="020B0609030804020204" pitchFamily="49" charset="0"/>
+              </a:rPr>
+              <a:t>Running time: 1:01:10</a:t>
+            </a:r>
+          </a:p>
+          <a:p>
+            <a:r>
+              <a:rPr lang="en-GB" b="0" dirty="0">
+                <a:solidFill>
+                  <a:srgbClr val="808080"/>
+                </a:solidFill>
+                <a:effectLst/>
+                <a:latin typeface="Menlo" panose="020B0609030804020204" pitchFamily="49" charset="0"/>
+              </a:rPr>
+              <a:t>&lt;</a:t>
+            </a:r>
+            <a:r>
+              <a:rPr lang="en-GB" b="0" dirty="0" err="1">
+                <a:solidFill>
+                  <a:srgbClr val="569CD6"/>
+                </a:solidFill>
+                <a:effectLst/>
+                <a:latin typeface="Menlo" panose="020B0609030804020204" pitchFamily="49" charset="0"/>
+              </a:rPr>
+              <a:t>br</a:t>
+            </a:r>
+            <a:r>
+              <a:rPr lang="en-GB" b="0" dirty="0">
+                <a:solidFill>
+                  <a:srgbClr val="808080"/>
+                </a:solidFill>
+                <a:effectLst/>
+                <a:latin typeface="Menlo" panose="020B0609030804020204" pitchFamily="49" charset="0"/>
+              </a:rPr>
+              <a:t>&gt;</a:t>
+            </a:r>
+            <a:endParaRPr lang="en-GB" b="0" dirty="0">
+              <a:solidFill>
+                <a:srgbClr val="D4D4D4"/>
+              </a:solidFill>
+              <a:effectLst/>
+              <a:latin typeface="Menlo" panose="020B0609030804020204" pitchFamily="49" charset="0"/>
+            </a:endParaRPr>
+          </a:p>
+          <a:p>
+            <a:r>
+              <a:rPr lang="en-GB" b="0" dirty="0">
+                <a:solidFill>
+                  <a:srgbClr val="808080"/>
+                </a:solidFill>
+                <a:effectLst/>
+                <a:latin typeface="Menlo" panose="020B0609030804020204" pitchFamily="49" charset="0"/>
+              </a:rPr>
+              <a:t>&lt;</a:t>
+            </a:r>
+            <a:r>
+              <a:rPr lang="en-GB" b="0" dirty="0" err="1">
+                <a:solidFill>
+                  <a:srgbClr val="569CD6"/>
+                </a:solidFill>
+                <a:effectLst/>
+                <a:latin typeface="Menlo" panose="020B0609030804020204" pitchFamily="49" charset="0"/>
+              </a:rPr>
+              <a:t>br</a:t>
+            </a:r>
+            <a:r>
+              <a:rPr lang="en-GB" b="0" dirty="0">
+                <a:solidFill>
+                  <a:srgbClr val="808080"/>
+                </a:solidFill>
+                <a:effectLst/>
+                <a:latin typeface="Menlo" panose="020B0609030804020204" pitchFamily="49" charset="0"/>
+              </a:rPr>
+              <a:t>&gt;</a:t>
+            </a:r>
+            <a:endParaRPr lang="en-GB" b="0" dirty="0">
+              <a:solidFill>
+                <a:srgbClr val="D4D4D4"/>
+              </a:solidFill>
+              <a:effectLst/>
+              <a:latin typeface="Menlo" panose="020B0609030804020204" pitchFamily="49" charset="0"/>
+            </a:endParaRPr>
+          </a:p>
+          <a:p>
+            <a:endParaRPr lang="en-NL" dirty="0"/>
           </a:p>
         </p:txBody>
       </p:sp>

--- a/assets/downloads/Portfolio.pptx
+++ b/assets/downloads/Portfolio.pptx
@@ -5472,31 +5472,6 @@
       </p:grpSpPr>
       <p:sp>
         <p:nvSpPr>
-          <p:cNvPr id="2" name="Title 1">
-            <a:extLst>
-              <a:ext uri="{FF2B5EF4-FFF2-40B4-BE49-F238E27FC236}">
-                <a16:creationId xmlns:a16="http://schemas.microsoft.com/office/drawing/2014/main" id="{787A52A2-F146-6715-2FAA-8E944AA873E7}"/>
-              </a:ext>
-            </a:extLst>
-          </p:cNvPr>
-          <p:cNvSpPr>
-            <a:spLocks noGrp="1"/>
-          </p:cNvSpPr>
-          <p:nvPr>
-            <p:ph type="title"/>
-          </p:nvPr>
-        </p:nvSpPr>
-        <p:spPr/>
-        <p:txBody>
-          <a:bodyPr/>
-          <a:lstStyle/>
-          <a:p>
-            <a:endParaRPr lang="en-NL"/>
-          </a:p>
-        </p:txBody>
-      </p:sp>
-      <p:sp>
-        <p:nvSpPr>
           <p:cNvPr id="3" name="Content Placeholder 2">
             <a:extLst>
               <a:ext uri="{FF2B5EF4-FFF2-40B4-BE49-F238E27FC236}">
@@ -5511,12 +5486,1667 @@
             <p:ph idx="1"/>
           </p:nvPr>
         </p:nvSpPr>
-        <p:spPr/>
+        <p:spPr>
+          <a:xfrm>
+            <a:off x="838200" y="108857"/>
+            <a:ext cx="10515600" cy="6068106"/>
+          </a:xfrm>
+        </p:spPr>
         <p:txBody>
           <a:bodyPr>
-            <a:normAutofit/>
+            <a:normAutofit fontScale="47500" lnSpcReduction="20000"/>
           </a:bodyPr>
           <a:lstStyle/>
+          <a:p>
+            <a:r>
+              <a:rPr lang="en-GB" b="0" dirty="0">
+                <a:solidFill>
+                  <a:srgbClr val="808080"/>
+                </a:solidFill>
+                <a:effectLst/>
+                <a:latin typeface="Menlo" panose="020B0609030804020204" pitchFamily="49" charset="0"/>
+              </a:rPr>
+              <a:t>&lt;</a:t>
+            </a:r>
+            <a:r>
+              <a:rPr lang="en-GB" b="0" dirty="0" err="1">
+                <a:solidFill>
+                  <a:srgbClr val="569CD6"/>
+                </a:solidFill>
+                <a:effectLst/>
+                <a:latin typeface="Menlo" panose="020B0609030804020204" pitchFamily="49" charset="0"/>
+              </a:rPr>
+              <a:t>br</a:t>
+            </a:r>
+            <a:r>
+              <a:rPr lang="en-GB" b="0" dirty="0">
+                <a:solidFill>
+                  <a:srgbClr val="808080"/>
+                </a:solidFill>
+                <a:effectLst/>
+                <a:latin typeface="Menlo" panose="020B0609030804020204" pitchFamily="49" charset="0"/>
+              </a:rPr>
+              <a:t>&gt;</a:t>
+            </a:r>
+            <a:endParaRPr lang="en-GB" b="0" dirty="0">
+              <a:solidFill>
+                <a:srgbClr val="D4D4D4"/>
+              </a:solidFill>
+              <a:effectLst/>
+              <a:latin typeface="Menlo" panose="020B0609030804020204" pitchFamily="49" charset="0"/>
+            </a:endParaRPr>
+          </a:p>
+          <a:p>
+            <a:r>
+              <a:rPr lang="en-GB" b="0" dirty="0">
+                <a:solidFill>
+                  <a:srgbClr val="D4D4D4"/>
+                </a:solidFill>
+                <a:effectLst/>
+                <a:latin typeface="Menlo" panose="020B0609030804020204" pitchFamily="49" charset="0"/>
+              </a:rPr>
+              <a:t>The live soundscape composition was performed via an Ableton Live setup and played at the introduction of the event. Mixing pre-recorded samples </a:t>
+            </a:r>
+          </a:p>
+          <a:p>
+            <a:r>
+              <a:rPr lang="en-GB" b="0" dirty="0">
+                <a:solidFill>
+                  <a:srgbClr val="D4D4D4"/>
+                </a:solidFill>
+                <a:effectLst/>
+                <a:latin typeface="Menlo" panose="020B0609030804020204" pitchFamily="49" charset="0"/>
+              </a:rPr>
+              <a:t>and synth layers to reflect the movement of people entering the space, and their subsequent actions. Relaying a contemplative </a:t>
+            </a:r>
+          </a:p>
+          <a:p>
+            <a:r>
+              <a:rPr lang="en-GB" b="0" dirty="0">
+                <a:solidFill>
+                  <a:srgbClr val="D4D4D4"/>
+                </a:solidFill>
+                <a:effectLst/>
+                <a:latin typeface="Menlo" panose="020B0609030804020204" pitchFamily="49" charset="0"/>
+              </a:rPr>
+              <a:t>quietness while also playing with conceptions of fear and life in the presence of fear. Using the sounds of heartbeats, </a:t>
+            </a:r>
+          </a:p>
+          <a:p>
+            <a:r>
+              <a:rPr lang="en-GB" b="0" dirty="0">
+                <a:solidFill>
+                  <a:srgbClr val="D4D4D4"/>
+                </a:solidFill>
+                <a:effectLst/>
+                <a:latin typeface="Menlo" panose="020B0609030804020204" pitchFamily="49" charset="0"/>
+              </a:rPr>
+              <a:t>hospital-like machinery with synth low rumbles to create this interplay between the historical connection of this space as a </a:t>
+            </a:r>
+          </a:p>
+          <a:p>
+            <a:r>
+              <a:rPr lang="en-GB" b="0" dirty="0">
+                <a:solidFill>
+                  <a:srgbClr val="D4D4D4"/>
+                </a:solidFill>
+                <a:effectLst/>
+                <a:latin typeface="Menlo" panose="020B0609030804020204" pitchFamily="49" charset="0"/>
+              </a:rPr>
+              <a:t>bomb shelter, and the feelings of fear, life, and safety that this place would have contained. Where the rumbling of the trams </a:t>
+            </a:r>
+          </a:p>
+          <a:p>
+            <a:r>
+              <a:rPr lang="en-GB" b="0" dirty="0">
+                <a:solidFill>
+                  <a:srgbClr val="D4D4D4"/>
+                </a:solidFill>
+                <a:effectLst/>
+                <a:latin typeface="Menlo" panose="020B0609030804020204" pitchFamily="49" charset="0"/>
+              </a:rPr>
+              <a:t>which would pass above the space could be reframed as a part of the composition due to their vibrations, presence, and activation </a:t>
+            </a:r>
+          </a:p>
+          <a:p>
+            <a:r>
+              <a:rPr lang="en-GB" b="0" dirty="0">
+                <a:solidFill>
+                  <a:srgbClr val="D4D4D4"/>
+                </a:solidFill>
+                <a:effectLst/>
+                <a:latin typeface="Menlo" panose="020B0609030804020204" pitchFamily="49" charset="0"/>
+              </a:rPr>
+              <a:t>of the ceiling, walls, and architecture of the bunker.</a:t>
+            </a:r>
+          </a:p>
+          <a:p>
+            <a:r>
+              <a:rPr lang="en-GB" b="0" dirty="0">
+                <a:solidFill>
+                  <a:srgbClr val="808080"/>
+                </a:solidFill>
+                <a:effectLst/>
+                <a:latin typeface="Menlo" panose="020B0609030804020204" pitchFamily="49" charset="0"/>
+              </a:rPr>
+              <a:t>&lt;</a:t>
+            </a:r>
+            <a:r>
+              <a:rPr lang="en-GB" b="0" dirty="0" err="1">
+                <a:solidFill>
+                  <a:srgbClr val="569CD6"/>
+                </a:solidFill>
+                <a:effectLst/>
+                <a:latin typeface="Menlo" panose="020B0609030804020204" pitchFamily="49" charset="0"/>
+              </a:rPr>
+              <a:t>br</a:t>
+            </a:r>
+            <a:r>
+              <a:rPr lang="en-GB" b="0" dirty="0">
+                <a:solidFill>
+                  <a:srgbClr val="808080"/>
+                </a:solidFill>
+                <a:effectLst/>
+                <a:latin typeface="Menlo" panose="020B0609030804020204" pitchFamily="49" charset="0"/>
+              </a:rPr>
+              <a:t>&gt;</a:t>
+            </a:r>
+            <a:endParaRPr lang="en-GB" b="0" dirty="0">
+              <a:solidFill>
+                <a:srgbClr val="D4D4D4"/>
+              </a:solidFill>
+              <a:effectLst/>
+              <a:latin typeface="Menlo" panose="020B0609030804020204" pitchFamily="49" charset="0"/>
+            </a:endParaRPr>
+          </a:p>
+          <a:p>
+            <a:r>
+              <a:rPr lang="en-GB" b="0" dirty="0">
+                <a:solidFill>
+                  <a:srgbClr val="808080"/>
+                </a:solidFill>
+                <a:effectLst/>
+                <a:latin typeface="Menlo" panose="020B0609030804020204" pitchFamily="49" charset="0"/>
+              </a:rPr>
+              <a:t>&lt;</a:t>
+            </a:r>
+            <a:r>
+              <a:rPr lang="en-GB" b="0" dirty="0" err="1">
+                <a:solidFill>
+                  <a:srgbClr val="569CD6"/>
+                </a:solidFill>
+                <a:effectLst/>
+                <a:latin typeface="Menlo" panose="020B0609030804020204" pitchFamily="49" charset="0"/>
+              </a:rPr>
+              <a:t>br</a:t>
+            </a:r>
+            <a:r>
+              <a:rPr lang="en-GB" b="0" dirty="0">
+                <a:solidFill>
+                  <a:srgbClr val="808080"/>
+                </a:solidFill>
+                <a:effectLst/>
+                <a:latin typeface="Menlo" panose="020B0609030804020204" pitchFamily="49" charset="0"/>
+              </a:rPr>
+              <a:t>&gt;</a:t>
+            </a:r>
+            <a:endParaRPr lang="en-GB" b="0" dirty="0">
+              <a:solidFill>
+                <a:srgbClr val="D4D4D4"/>
+              </a:solidFill>
+              <a:effectLst/>
+              <a:latin typeface="Menlo" panose="020B0609030804020204" pitchFamily="49" charset="0"/>
+            </a:endParaRPr>
+          </a:p>
+          <a:p>
+            <a:r>
+              <a:rPr lang="en-GB" b="0" dirty="0">
+                <a:solidFill>
+                  <a:srgbClr val="D4D4D4"/>
+                </a:solidFill>
+                <a:effectLst/>
+                <a:latin typeface="Menlo" panose="020B0609030804020204" pitchFamily="49" charset="0"/>
+              </a:rPr>
+              <a:t>Included below is a section of the live soundscape.</a:t>
+            </a:r>
+          </a:p>
+          <a:p>
+            <a:r>
+              <a:rPr lang="en-GB" b="0" dirty="0">
+                <a:solidFill>
+                  <a:srgbClr val="808080"/>
+                </a:solidFill>
+                <a:effectLst/>
+                <a:latin typeface="Menlo" panose="020B0609030804020204" pitchFamily="49" charset="0"/>
+              </a:rPr>
+              <a:t>&lt;</a:t>
+            </a:r>
+            <a:r>
+              <a:rPr lang="en-GB" b="0" dirty="0" err="1">
+                <a:solidFill>
+                  <a:srgbClr val="569CD6"/>
+                </a:solidFill>
+                <a:effectLst/>
+                <a:latin typeface="Menlo" panose="020B0609030804020204" pitchFamily="49" charset="0"/>
+              </a:rPr>
+              <a:t>br</a:t>
+            </a:r>
+            <a:r>
+              <a:rPr lang="en-GB" b="0" dirty="0">
+                <a:solidFill>
+                  <a:srgbClr val="808080"/>
+                </a:solidFill>
+                <a:effectLst/>
+                <a:latin typeface="Menlo" panose="020B0609030804020204" pitchFamily="49" charset="0"/>
+              </a:rPr>
+              <a:t>&gt;</a:t>
+            </a:r>
+            <a:endParaRPr lang="en-GB" b="0" dirty="0">
+              <a:solidFill>
+                <a:srgbClr val="D4D4D4"/>
+              </a:solidFill>
+              <a:effectLst/>
+              <a:latin typeface="Menlo" panose="020B0609030804020204" pitchFamily="49" charset="0"/>
+            </a:endParaRPr>
+          </a:p>
+          <a:p>
+            <a:r>
+              <a:rPr lang="en-GB" b="0" dirty="0">
+                <a:solidFill>
+                  <a:srgbClr val="808080"/>
+                </a:solidFill>
+                <a:effectLst/>
+                <a:latin typeface="Menlo" panose="020B0609030804020204" pitchFamily="49" charset="0"/>
+              </a:rPr>
+              <a:t>&lt;</a:t>
+            </a:r>
+            <a:r>
+              <a:rPr lang="en-GB" b="0" dirty="0" err="1">
+                <a:solidFill>
+                  <a:srgbClr val="569CD6"/>
+                </a:solidFill>
+                <a:effectLst/>
+                <a:latin typeface="Menlo" panose="020B0609030804020204" pitchFamily="49" charset="0"/>
+              </a:rPr>
+              <a:t>br</a:t>
+            </a:r>
+            <a:r>
+              <a:rPr lang="en-GB" b="0" dirty="0">
+                <a:solidFill>
+                  <a:srgbClr val="808080"/>
+                </a:solidFill>
+                <a:effectLst/>
+                <a:latin typeface="Menlo" panose="020B0609030804020204" pitchFamily="49" charset="0"/>
+              </a:rPr>
+              <a:t>&gt;</a:t>
+            </a:r>
+            <a:endParaRPr lang="en-GB" b="0" dirty="0">
+              <a:solidFill>
+                <a:srgbClr val="D4D4D4"/>
+              </a:solidFill>
+              <a:effectLst/>
+              <a:latin typeface="Menlo" panose="020B0609030804020204" pitchFamily="49" charset="0"/>
+            </a:endParaRPr>
+          </a:p>
+          <a:p>
+            <a:r>
+              <a:rPr lang="en-GB" b="0" dirty="0">
+                <a:solidFill>
+                  <a:srgbClr val="808080"/>
+                </a:solidFill>
+                <a:effectLst/>
+                <a:latin typeface="Menlo" panose="020B0609030804020204" pitchFamily="49" charset="0"/>
+              </a:rPr>
+              <a:t>&lt;</a:t>
+            </a:r>
+            <a:r>
+              <a:rPr lang="en-GB" b="0" dirty="0" err="1">
+                <a:solidFill>
+                  <a:srgbClr val="569CD6"/>
+                </a:solidFill>
+                <a:effectLst/>
+                <a:latin typeface="Menlo" panose="020B0609030804020204" pitchFamily="49" charset="0"/>
+              </a:rPr>
+              <a:t>iframe</a:t>
+            </a:r>
+            <a:r>
+              <a:rPr lang="en-GB" b="0" dirty="0">
+                <a:solidFill>
+                  <a:srgbClr val="D4D4D4"/>
+                </a:solidFill>
+                <a:effectLst/>
+                <a:latin typeface="Menlo" panose="020B0609030804020204" pitchFamily="49" charset="0"/>
+              </a:rPr>
+              <a:t> </a:t>
+            </a:r>
+            <a:r>
+              <a:rPr lang="en-GB" b="0" dirty="0">
+                <a:solidFill>
+                  <a:srgbClr val="9CDCFE"/>
+                </a:solidFill>
+                <a:effectLst/>
+                <a:latin typeface="Menlo" panose="020B0609030804020204" pitchFamily="49" charset="0"/>
+              </a:rPr>
+              <a:t>width</a:t>
+            </a:r>
+            <a:r>
+              <a:rPr lang="en-GB" b="0" dirty="0">
+                <a:solidFill>
+                  <a:srgbClr val="D4D4D4"/>
+                </a:solidFill>
+                <a:effectLst/>
+                <a:latin typeface="Menlo" panose="020B0609030804020204" pitchFamily="49" charset="0"/>
+              </a:rPr>
+              <a:t>=</a:t>
+            </a:r>
+            <a:r>
+              <a:rPr lang="en-GB" b="0" dirty="0">
+                <a:solidFill>
+                  <a:srgbClr val="CE9178"/>
+                </a:solidFill>
+                <a:effectLst/>
+                <a:latin typeface="Menlo" panose="020B0609030804020204" pitchFamily="49" charset="0"/>
+              </a:rPr>
+              <a:t>"100%"</a:t>
+            </a:r>
+            <a:r>
+              <a:rPr lang="en-GB" b="0" dirty="0">
+                <a:solidFill>
+                  <a:srgbClr val="D4D4D4"/>
+                </a:solidFill>
+                <a:effectLst/>
+                <a:latin typeface="Menlo" panose="020B0609030804020204" pitchFamily="49" charset="0"/>
+              </a:rPr>
+              <a:t> </a:t>
+            </a:r>
+            <a:r>
+              <a:rPr lang="en-GB" b="0" dirty="0">
+                <a:solidFill>
+                  <a:srgbClr val="9CDCFE"/>
+                </a:solidFill>
+                <a:effectLst/>
+                <a:latin typeface="Menlo" panose="020B0609030804020204" pitchFamily="49" charset="0"/>
+              </a:rPr>
+              <a:t>height</a:t>
+            </a:r>
+            <a:r>
+              <a:rPr lang="en-GB" b="0" dirty="0">
+                <a:solidFill>
+                  <a:srgbClr val="D4D4D4"/>
+                </a:solidFill>
+                <a:effectLst/>
+                <a:latin typeface="Menlo" panose="020B0609030804020204" pitchFamily="49" charset="0"/>
+              </a:rPr>
+              <a:t>=</a:t>
+            </a:r>
+            <a:r>
+              <a:rPr lang="en-GB" b="0" dirty="0">
+                <a:solidFill>
+                  <a:srgbClr val="CE9178"/>
+                </a:solidFill>
+                <a:effectLst/>
+                <a:latin typeface="Menlo" panose="020B0609030804020204" pitchFamily="49" charset="0"/>
+              </a:rPr>
+              <a:t>"200"</a:t>
+            </a:r>
+            <a:r>
+              <a:rPr lang="en-GB" b="0" dirty="0">
+                <a:solidFill>
+                  <a:srgbClr val="D4D4D4"/>
+                </a:solidFill>
+                <a:effectLst/>
+                <a:latin typeface="Menlo" panose="020B0609030804020204" pitchFamily="49" charset="0"/>
+              </a:rPr>
+              <a:t> </a:t>
+            </a:r>
+            <a:r>
+              <a:rPr lang="en-GB" b="0" dirty="0">
+                <a:solidFill>
+                  <a:srgbClr val="9CDCFE"/>
+                </a:solidFill>
+                <a:effectLst/>
+                <a:latin typeface="Menlo" panose="020B0609030804020204" pitchFamily="49" charset="0"/>
+              </a:rPr>
+              <a:t>scrolling</a:t>
+            </a:r>
+            <a:r>
+              <a:rPr lang="en-GB" b="0" dirty="0">
+                <a:solidFill>
+                  <a:srgbClr val="D4D4D4"/>
+                </a:solidFill>
+                <a:effectLst/>
+                <a:latin typeface="Menlo" panose="020B0609030804020204" pitchFamily="49" charset="0"/>
+              </a:rPr>
+              <a:t>=</a:t>
+            </a:r>
+            <a:r>
+              <a:rPr lang="en-GB" b="0" dirty="0">
+                <a:solidFill>
+                  <a:srgbClr val="CE9178"/>
+                </a:solidFill>
+                <a:effectLst/>
+                <a:latin typeface="Menlo" panose="020B0609030804020204" pitchFamily="49" charset="0"/>
+              </a:rPr>
+              <a:t>"no"</a:t>
+            </a:r>
+            <a:r>
+              <a:rPr lang="en-GB" b="0" dirty="0">
+                <a:solidFill>
+                  <a:srgbClr val="D4D4D4"/>
+                </a:solidFill>
+                <a:effectLst/>
+                <a:latin typeface="Menlo" panose="020B0609030804020204" pitchFamily="49" charset="0"/>
+              </a:rPr>
+              <a:t> </a:t>
+            </a:r>
+            <a:r>
+              <a:rPr lang="en-GB" b="0" dirty="0">
+                <a:solidFill>
+                  <a:srgbClr val="9CDCFE"/>
+                </a:solidFill>
+                <a:effectLst/>
+                <a:latin typeface="Menlo" panose="020B0609030804020204" pitchFamily="49" charset="0"/>
+              </a:rPr>
+              <a:t>frameborder</a:t>
+            </a:r>
+            <a:r>
+              <a:rPr lang="en-GB" b="0" dirty="0">
+                <a:solidFill>
+                  <a:srgbClr val="D4D4D4"/>
+                </a:solidFill>
+                <a:effectLst/>
+                <a:latin typeface="Menlo" panose="020B0609030804020204" pitchFamily="49" charset="0"/>
+              </a:rPr>
+              <a:t>=</a:t>
+            </a:r>
+            <a:r>
+              <a:rPr lang="en-GB" b="0" dirty="0">
+                <a:solidFill>
+                  <a:srgbClr val="CE9178"/>
+                </a:solidFill>
+                <a:effectLst/>
+                <a:latin typeface="Menlo" panose="020B0609030804020204" pitchFamily="49" charset="0"/>
+              </a:rPr>
+              <a:t>"no"</a:t>
+            </a:r>
+            <a:r>
+              <a:rPr lang="en-GB" b="0" dirty="0">
+                <a:solidFill>
+                  <a:srgbClr val="D4D4D4"/>
+                </a:solidFill>
+                <a:effectLst/>
+                <a:latin typeface="Menlo" panose="020B0609030804020204" pitchFamily="49" charset="0"/>
+              </a:rPr>
+              <a:t> </a:t>
+            </a:r>
+            <a:r>
+              <a:rPr lang="en-GB" b="0" dirty="0">
+                <a:solidFill>
+                  <a:srgbClr val="9CDCFE"/>
+                </a:solidFill>
+                <a:effectLst/>
+                <a:latin typeface="Menlo" panose="020B0609030804020204" pitchFamily="49" charset="0"/>
+              </a:rPr>
+              <a:t>allow</a:t>
+            </a:r>
+            <a:r>
+              <a:rPr lang="en-GB" b="0" dirty="0">
+                <a:solidFill>
+                  <a:srgbClr val="D4D4D4"/>
+                </a:solidFill>
+                <a:effectLst/>
+                <a:latin typeface="Menlo" panose="020B0609030804020204" pitchFamily="49" charset="0"/>
+              </a:rPr>
+              <a:t>=</a:t>
+            </a:r>
+            <a:r>
+              <a:rPr lang="en-GB" b="0" dirty="0">
+                <a:solidFill>
+                  <a:srgbClr val="CE9178"/>
+                </a:solidFill>
+                <a:effectLst/>
+                <a:latin typeface="Menlo" panose="020B0609030804020204" pitchFamily="49" charset="0"/>
+              </a:rPr>
+              <a:t>"</a:t>
+            </a:r>
+            <a:r>
+              <a:rPr lang="en-GB" b="0" dirty="0" err="1">
+                <a:solidFill>
+                  <a:srgbClr val="CE9178"/>
+                </a:solidFill>
+                <a:effectLst/>
+                <a:latin typeface="Menlo" panose="020B0609030804020204" pitchFamily="49" charset="0"/>
+              </a:rPr>
+              <a:t>autoplay</a:t>
+            </a:r>
+            <a:r>
+              <a:rPr lang="en-GB" b="0" dirty="0">
+                <a:solidFill>
+                  <a:srgbClr val="CE9178"/>
+                </a:solidFill>
+                <a:effectLst/>
+                <a:latin typeface="Menlo" panose="020B0609030804020204" pitchFamily="49" charset="0"/>
+              </a:rPr>
+              <a:t>"</a:t>
+            </a:r>
+            <a:r>
+              <a:rPr lang="en-GB" b="0" dirty="0">
+                <a:solidFill>
+                  <a:srgbClr val="D4D4D4"/>
+                </a:solidFill>
+                <a:effectLst/>
+                <a:latin typeface="Menlo" panose="020B0609030804020204" pitchFamily="49" charset="0"/>
+              </a:rPr>
+              <a:t> </a:t>
+            </a:r>
+            <a:r>
+              <a:rPr lang="en-GB" b="0" dirty="0" err="1">
+                <a:solidFill>
+                  <a:srgbClr val="9CDCFE"/>
+                </a:solidFill>
+                <a:effectLst/>
+                <a:latin typeface="Menlo" panose="020B0609030804020204" pitchFamily="49" charset="0"/>
+              </a:rPr>
+              <a:t>src</a:t>
+            </a:r>
+            <a:r>
+              <a:rPr lang="en-GB" b="0" dirty="0">
+                <a:solidFill>
+                  <a:srgbClr val="D4D4D4"/>
+                </a:solidFill>
+                <a:effectLst/>
+                <a:latin typeface="Menlo" panose="020B0609030804020204" pitchFamily="49" charset="0"/>
+              </a:rPr>
+              <a:t>=</a:t>
+            </a:r>
+            <a:r>
+              <a:rPr lang="en-GB" b="0" dirty="0">
+                <a:solidFill>
+                  <a:srgbClr val="CE9178"/>
+                </a:solidFill>
+                <a:effectLst/>
+                <a:latin typeface="Menlo" panose="020B0609030804020204" pitchFamily="49" charset="0"/>
+              </a:rPr>
+              <a:t>"https://</a:t>
+            </a:r>
+            <a:r>
+              <a:rPr lang="en-GB" b="0" dirty="0" err="1">
+                <a:solidFill>
+                  <a:srgbClr val="CE9178"/>
+                </a:solidFill>
+                <a:effectLst/>
+                <a:latin typeface="Menlo" panose="020B0609030804020204" pitchFamily="49" charset="0"/>
+              </a:rPr>
+              <a:t>w.soundcloud.com</a:t>
+            </a:r>
+            <a:r>
+              <a:rPr lang="en-GB" b="0" dirty="0">
+                <a:solidFill>
+                  <a:srgbClr val="CE9178"/>
+                </a:solidFill>
+                <a:effectLst/>
+                <a:latin typeface="Menlo" panose="020B0609030804020204" pitchFamily="49" charset="0"/>
+              </a:rPr>
+              <a:t>/player/?</a:t>
+            </a:r>
+            <a:r>
+              <a:rPr lang="en-GB" b="0" dirty="0" err="1">
+                <a:solidFill>
+                  <a:srgbClr val="CE9178"/>
+                </a:solidFill>
+                <a:effectLst/>
+                <a:latin typeface="Menlo" panose="020B0609030804020204" pitchFamily="49" charset="0"/>
+              </a:rPr>
+              <a:t>url</a:t>
+            </a:r>
+            <a:r>
+              <a:rPr lang="en-GB" b="0" dirty="0">
+                <a:solidFill>
+                  <a:srgbClr val="CE9178"/>
+                </a:solidFill>
+                <a:effectLst/>
+                <a:latin typeface="Menlo" panose="020B0609030804020204" pitchFamily="49" charset="0"/>
+              </a:rPr>
+              <a:t>=https%3A//</a:t>
+            </a:r>
+            <a:r>
+              <a:rPr lang="en-GB" b="0" dirty="0" err="1">
+                <a:solidFill>
+                  <a:srgbClr val="CE9178"/>
+                </a:solidFill>
+                <a:effectLst/>
+                <a:latin typeface="Menlo" panose="020B0609030804020204" pitchFamily="49" charset="0"/>
+              </a:rPr>
+              <a:t>api.soundcloud.com</a:t>
+            </a:r>
+            <a:r>
+              <a:rPr lang="en-GB" b="0" dirty="0">
+                <a:solidFill>
+                  <a:srgbClr val="CE9178"/>
+                </a:solidFill>
+                <a:effectLst/>
+                <a:latin typeface="Menlo" panose="020B0609030804020204" pitchFamily="49" charset="0"/>
+              </a:rPr>
+              <a:t>/playlists/1593836314%3Fsecret_token%3Ds-gIBzDjq19g7&amp;color=%2384947c&amp;auto_play=</a:t>
+            </a:r>
+            <a:r>
+              <a:rPr lang="en-GB" b="0" dirty="0" err="1">
+                <a:solidFill>
+                  <a:srgbClr val="CE9178"/>
+                </a:solidFill>
+                <a:effectLst/>
+                <a:latin typeface="Menlo" panose="020B0609030804020204" pitchFamily="49" charset="0"/>
+              </a:rPr>
+              <a:t>false&amp;hide_related</a:t>
+            </a:r>
+            <a:r>
+              <a:rPr lang="en-GB" b="0" dirty="0">
+                <a:solidFill>
+                  <a:srgbClr val="CE9178"/>
+                </a:solidFill>
+                <a:effectLst/>
+                <a:latin typeface="Menlo" panose="020B0609030804020204" pitchFamily="49" charset="0"/>
+              </a:rPr>
+              <a:t>=</a:t>
+            </a:r>
+            <a:r>
+              <a:rPr lang="en-GB" b="0" dirty="0" err="1">
+                <a:solidFill>
+                  <a:srgbClr val="CE9178"/>
+                </a:solidFill>
+                <a:effectLst/>
+                <a:latin typeface="Menlo" panose="020B0609030804020204" pitchFamily="49" charset="0"/>
+              </a:rPr>
+              <a:t>false&amp;show_comments</a:t>
+            </a:r>
+            <a:r>
+              <a:rPr lang="en-GB" b="0" dirty="0">
+                <a:solidFill>
+                  <a:srgbClr val="CE9178"/>
+                </a:solidFill>
+                <a:effectLst/>
+                <a:latin typeface="Menlo" panose="020B0609030804020204" pitchFamily="49" charset="0"/>
+              </a:rPr>
+              <a:t>=</a:t>
+            </a:r>
+            <a:r>
+              <a:rPr lang="en-GB" b="0" dirty="0" err="1">
+                <a:solidFill>
+                  <a:srgbClr val="CE9178"/>
+                </a:solidFill>
+                <a:effectLst/>
+                <a:latin typeface="Menlo" panose="020B0609030804020204" pitchFamily="49" charset="0"/>
+              </a:rPr>
+              <a:t>true&amp;show_user</a:t>
+            </a:r>
+            <a:r>
+              <a:rPr lang="en-GB" b="0" dirty="0">
+                <a:solidFill>
+                  <a:srgbClr val="CE9178"/>
+                </a:solidFill>
+                <a:effectLst/>
+                <a:latin typeface="Menlo" panose="020B0609030804020204" pitchFamily="49" charset="0"/>
+              </a:rPr>
+              <a:t>=</a:t>
+            </a:r>
+            <a:r>
+              <a:rPr lang="en-GB" b="0" dirty="0" err="1">
+                <a:solidFill>
+                  <a:srgbClr val="CE9178"/>
+                </a:solidFill>
+                <a:effectLst/>
+                <a:latin typeface="Menlo" panose="020B0609030804020204" pitchFamily="49" charset="0"/>
+              </a:rPr>
+              <a:t>true&amp;show_reposts</a:t>
+            </a:r>
+            <a:r>
+              <a:rPr lang="en-GB" b="0" dirty="0">
+                <a:solidFill>
+                  <a:srgbClr val="CE9178"/>
+                </a:solidFill>
+                <a:effectLst/>
+                <a:latin typeface="Menlo" panose="020B0609030804020204" pitchFamily="49" charset="0"/>
+              </a:rPr>
+              <a:t>=</a:t>
+            </a:r>
+            <a:r>
+              <a:rPr lang="en-GB" b="0" dirty="0" err="1">
+                <a:solidFill>
+                  <a:srgbClr val="CE9178"/>
+                </a:solidFill>
+                <a:effectLst/>
+                <a:latin typeface="Menlo" panose="020B0609030804020204" pitchFamily="49" charset="0"/>
+              </a:rPr>
+              <a:t>false&amp;show_teaser</a:t>
+            </a:r>
+            <a:r>
+              <a:rPr lang="en-GB" b="0" dirty="0">
+                <a:solidFill>
+                  <a:srgbClr val="CE9178"/>
+                </a:solidFill>
+                <a:effectLst/>
+                <a:latin typeface="Menlo" panose="020B0609030804020204" pitchFamily="49" charset="0"/>
+              </a:rPr>
+              <a:t>=true"</a:t>
+            </a:r>
+            <a:r>
+              <a:rPr lang="en-GB" b="0" dirty="0">
+                <a:solidFill>
+                  <a:srgbClr val="808080"/>
+                </a:solidFill>
+                <a:effectLst/>
+                <a:latin typeface="Menlo" panose="020B0609030804020204" pitchFamily="49" charset="0"/>
+              </a:rPr>
+              <a:t>&gt;&lt;/</a:t>
+            </a:r>
+            <a:r>
+              <a:rPr lang="en-GB" b="0" dirty="0" err="1">
+                <a:solidFill>
+                  <a:srgbClr val="569CD6"/>
+                </a:solidFill>
+                <a:effectLst/>
+                <a:latin typeface="Menlo" panose="020B0609030804020204" pitchFamily="49" charset="0"/>
+              </a:rPr>
+              <a:t>iframe</a:t>
+            </a:r>
+            <a:r>
+              <a:rPr lang="en-GB" b="0" dirty="0">
+                <a:solidFill>
+                  <a:srgbClr val="808080"/>
+                </a:solidFill>
+                <a:effectLst/>
+                <a:latin typeface="Menlo" panose="020B0609030804020204" pitchFamily="49" charset="0"/>
+              </a:rPr>
+              <a:t>&gt;&lt;</a:t>
+            </a:r>
+            <a:r>
+              <a:rPr lang="en-GB" b="0" dirty="0">
+                <a:solidFill>
+                  <a:srgbClr val="569CD6"/>
+                </a:solidFill>
+                <a:effectLst/>
+                <a:latin typeface="Menlo" panose="020B0609030804020204" pitchFamily="49" charset="0"/>
+              </a:rPr>
+              <a:t>div</a:t>
+            </a:r>
+            <a:r>
+              <a:rPr lang="en-GB" b="0" dirty="0">
+                <a:solidFill>
+                  <a:srgbClr val="D4D4D4"/>
+                </a:solidFill>
+                <a:effectLst/>
+                <a:latin typeface="Menlo" panose="020B0609030804020204" pitchFamily="49" charset="0"/>
+              </a:rPr>
+              <a:t> </a:t>
+            </a:r>
+            <a:r>
+              <a:rPr lang="en-GB" b="0" dirty="0">
+                <a:solidFill>
+                  <a:srgbClr val="9CDCFE"/>
+                </a:solidFill>
+                <a:effectLst/>
+                <a:latin typeface="Menlo" panose="020B0609030804020204" pitchFamily="49" charset="0"/>
+              </a:rPr>
+              <a:t>style</a:t>
+            </a:r>
+            <a:r>
+              <a:rPr lang="en-GB" b="0" dirty="0">
+                <a:solidFill>
+                  <a:srgbClr val="D4D4D4"/>
+                </a:solidFill>
+                <a:effectLst/>
+                <a:latin typeface="Menlo" panose="020B0609030804020204" pitchFamily="49" charset="0"/>
+              </a:rPr>
+              <a:t>=</a:t>
+            </a:r>
+            <a:r>
+              <a:rPr lang="en-GB" b="0" dirty="0">
+                <a:solidFill>
+                  <a:srgbClr val="CE9178"/>
+                </a:solidFill>
+                <a:effectLst/>
+                <a:latin typeface="Menlo" panose="020B0609030804020204" pitchFamily="49" charset="0"/>
+              </a:rPr>
+              <a:t>"font-size: 10px; </a:t>
+            </a:r>
+            <a:r>
+              <a:rPr lang="en-GB" b="0" dirty="0" err="1">
+                <a:solidFill>
+                  <a:srgbClr val="CE9178"/>
+                </a:solidFill>
+                <a:effectLst/>
+                <a:latin typeface="Menlo" panose="020B0609030804020204" pitchFamily="49" charset="0"/>
+              </a:rPr>
+              <a:t>color</a:t>
+            </a:r>
+            <a:r>
+              <a:rPr lang="en-GB" b="0" dirty="0">
+                <a:solidFill>
+                  <a:srgbClr val="CE9178"/>
+                </a:solidFill>
+                <a:effectLst/>
+                <a:latin typeface="Menlo" panose="020B0609030804020204" pitchFamily="49" charset="0"/>
+              </a:rPr>
+              <a:t>: #</a:t>
+            </a:r>
+            <a:r>
+              <a:rPr lang="en-GB" b="0" dirty="0" err="1">
+                <a:solidFill>
+                  <a:srgbClr val="CE9178"/>
+                </a:solidFill>
+                <a:effectLst/>
+                <a:latin typeface="Menlo" panose="020B0609030804020204" pitchFamily="49" charset="0"/>
+              </a:rPr>
+              <a:t>cccccc;line-break</a:t>
+            </a:r>
+            <a:r>
+              <a:rPr lang="en-GB" b="0" dirty="0">
+                <a:solidFill>
+                  <a:srgbClr val="CE9178"/>
+                </a:solidFill>
+                <a:effectLst/>
+                <a:latin typeface="Menlo" panose="020B0609030804020204" pitchFamily="49" charset="0"/>
+              </a:rPr>
+              <a:t>: </a:t>
+            </a:r>
+            <a:r>
+              <a:rPr lang="en-GB" b="0" dirty="0" err="1">
+                <a:solidFill>
+                  <a:srgbClr val="CE9178"/>
+                </a:solidFill>
+                <a:effectLst/>
+                <a:latin typeface="Menlo" panose="020B0609030804020204" pitchFamily="49" charset="0"/>
+              </a:rPr>
+              <a:t>anywhere;word-break</a:t>
+            </a:r>
+            <a:r>
+              <a:rPr lang="en-GB" b="0" dirty="0">
+                <a:solidFill>
+                  <a:srgbClr val="CE9178"/>
+                </a:solidFill>
+                <a:effectLst/>
+                <a:latin typeface="Menlo" panose="020B0609030804020204" pitchFamily="49" charset="0"/>
+              </a:rPr>
+              <a:t>: </a:t>
+            </a:r>
+            <a:r>
+              <a:rPr lang="en-GB" b="0" dirty="0" err="1">
+                <a:solidFill>
+                  <a:srgbClr val="CE9178"/>
+                </a:solidFill>
+                <a:effectLst/>
+                <a:latin typeface="Menlo" panose="020B0609030804020204" pitchFamily="49" charset="0"/>
+              </a:rPr>
+              <a:t>normal;overflow</a:t>
+            </a:r>
+            <a:r>
+              <a:rPr lang="en-GB" b="0" dirty="0">
+                <a:solidFill>
+                  <a:srgbClr val="CE9178"/>
+                </a:solidFill>
+                <a:effectLst/>
+                <a:latin typeface="Menlo" panose="020B0609030804020204" pitchFamily="49" charset="0"/>
+              </a:rPr>
+              <a:t>: </a:t>
+            </a:r>
+            <a:r>
+              <a:rPr lang="en-GB" b="0" dirty="0" err="1">
+                <a:solidFill>
+                  <a:srgbClr val="CE9178"/>
+                </a:solidFill>
+                <a:effectLst/>
+                <a:latin typeface="Menlo" panose="020B0609030804020204" pitchFamily="49" charset="0"/>
+              </a:rPr>
+              <a:t>hidden;white-space</a:t>
+            </a:r>
+            <a:r>
+              <a:rPr lang="en-GB" b="0" dirty="0">
+                <a:solidFill>
+                  <a:srgbClr val="CE9178"/>
+                </a:solidFill>
+                <a:effectLst/>
+                <a:latin typeface="Menlo" panose="020B0609030804020204" pitchFamily="49" charset="0"/>
+              </a:rPr>
+              <a:t>: </a:t>
+            </a:r>
+            <a:r>
+              <a:rPr lang="en-GB" b="0" dirty="0" err="1">
+                <a:solidFill>
+                  <a:srgbClr val="CE9178"/>
+                </a:solidFill>
+                <a:effectLst/>
+                <a:latin typeface="Menlo" panose="020B0609030804020204" pitchFamily="49" charset="0"/>
+              </a:rPr>
+              <a:t>nowrap;text-overflow</a:t>
+            </a:r>
+            <a:r>
+              <a:rPr lang="en-GB" b="0" dirty="0">
+                <a:solidFill>
+                  <a:srgbClr val="CE9178"/>
+                </a:solidFill>
+                <a:effectLst/>
+                <a:latin typeface="Menlo" panose="020B0609030804020204" pitchFamily="49" charset="0"/>
+              </a:rPr>
+              <a:t>: ellipsis; font-family: </a:t>
+            </a:r>
+            <a:r>
+              <a:rPr lang="en-GB" b="0" dirty="0" err="1">
+                <a:solidFill>
+                  <a:srgbClr val="CE9178"/>
+                </a:solidFill>
+                <a:effectLst/>
+                <a:latin typeface="Menlo" panose="020B0609030804020204" pitchFamily="49" charset="0"/>
+              </a:rPr>
+              <a:t>Interstate,Lucida</a:t>
+            </a:r>
+            <a:r>
+              <a:rPr lang="en-GB" b="0" dirty="0">
+                <a:solidFill>
+                  <a:srgbClr val="CE9178"/>
+                </a:solidFill>
+                <a:effectLst/>
+                <a:latin typeface="Menlo" panose="020B0609030804020204" pitchFamily="49" charset="0"/>
+              </a:rPr>
+              <a:t> </a:t>
+            </a:r>
+            <a:r>
+              <a:rPr lang="en-GB" b="0" dirty="0" err="1">
+                <a:solidFill>
+                  <a:srgbClr val="CE9178"/>
+                </a:solidFill>
+                <a:effectLst/>
+                <a:latin typeface="Menlo" panose="020B0609030804020204" pitchFamily="49" charset="0"/>
+              </a:rPr>
+              <a:t>Grande,Lucida</a:t>
+            </a:r>
+            <a:r>
+              <a:rPr lang="en-GB" b="0" dirty="0">
+                <a:solidFill>
+                  <a:srgbClr val="CE9178"/>
+                </a:solidFill>
+                <a:effectLst/>
+                <a:latin typeface="Menlo" panose="020B0609030804020204" pitchFamily="49" charset="0"/>
+              </a:rPr>
+              <a:t> Sans </a:t>
+            </a:r>
+            <a:r>
+              <a:rPr lang="en-GB" b="0" dirty="0" err="1">
+                <a:solidFill>
+                  <a:srgbClr val="CE9178"/>
+                </a:solidFill>
+                <a:effectLst/>
+                <a:latin typeface="Menlo" panose="020B0609030804020204" pitchFamily="49" charset="0"/>
+              </a:rPr>
+              <a:t>Unicode,Lucida</a:t>
+            </a:r>
+            <a:r>
+              <a:rPr lang="en-GB" b="0" dirty="0">
+                <a:solidFill>
+                  <a:srgbClr val="CE9178"/>
+                </a:solidFill>
+                <a:effectLst/>
+                <a:latin typeface="Menlo" panose="020B0609030804020204" pitchFamily="49" charset="0"/>
+              </a:rPr>
+              <a:t> </a:t>
+            </a:r>
+            <a:r>
+              <a:rPr lang="en-GB" b="0" dirty="0" err="1">
+                <a:solidFill>
+                  <a:srgbClr val="CE9178"/>
+                </a:solidFill>
+                <a:effectLst/>
+                <a:latin typeface="Menlo" panose="020B0609030804020204" pitchFamily="49" charset="0"/>
+              </a:rPr>
+              <a:t>Sans,Garuda,Verdana,Tahoma,sans-serif;font-weight</a:t>
+            </a:r>
+            <a:r>
+              <a:rPr lang="en-GB" b="0" dirty="0">
+                <a:solidFill>
+                  <a:srgbClr val="CE9178"/>
+                </a:solidFill>
+                <a:effectLst/>
+                <a:latin typeface="Menlo" panose="020B0609030804020204" pitchFamily="49" charset="0"/>
+              </a:rPr>
+              <a:t>: 100;"</a:t>
+            </a:r>
+            <a:r>
+              <a:rPr lang="en-GB" b="0" dirty="0">
+                <a:solidFill>
+                  <a:srgbClr val="808080"/>
+                </a:solidFill>
+                <a:effectLst/>
+                <a:latin typeface="Menlo" panose="020B0609030804020204" pitchFamily="49" charset="0"/>
+              </a:rPr>
+              <a:t>&gt;&lt;</a:t>
+            </a:r>
+            <a:r>
+              <a:rPr lang="en-GB" b="0" dirty="0">
+                <a:solidFill>
+                  <a:srgbClr val="569CD6"/>
+                </a:solidFill>
+                <a:effectLst/>
+                <a:latin typeface="Menlo" panose="020B0609030804020204" pitchFamily="49" charset="0"/>
+              </a:rPr>
+              <a:t>a</a:t>
+            </a:r>
+            <a:r>
+              <a:rPr lang="en-GB" b="0" dirty="0">
+                <a:solidFill>
+                  <a:srgbClr val="D4D4D4"/>
+                </a:solidFill>
+                <a:effectLst/>
+                <a:latin typeface="Menlo" panose="020B0609030804020204" pitchFamily="49" charset="0"/>
+              </a:rPr>
+              <a:t> </a:t>
+            </a:r>
+            <a:r>
+              <a:rPr lang="en-GB" b="0" dirty="0" err="1">
+                <a:solidFill>
+                  <a:srgbClr val="9CDCFE"/>
+                </a:solidFill>
+                <a:effectLst/>
+                <a:latin typeface="Menlo" panose="020B0609030804020204" pitchFamily="49" charset="0"/>
+              </a:rPr>
+              <a:t>href</a:t>
+            </a:r>
+            <a:r>
+              <a:rPr lang="en-GB" b="0" dirty="0">
+                <a:solidFill>
+                  <a:srgbClr val="D4D4D4"/>
+                </a:solidFill>
+                <a:effectLst/>
+                <a:latin typeface="Menlo" panose="020B0609030804020204" pitchFamily="49" charset="0"/>
+              </a:rPr>
+              <a:t>=</a:t>
+            </a:r>
+            <a:r>
+              <a:rPr lang="en-GB" b="0" dirty="0">
+                <a:solidFill>
+                  <a:srgbClr val="CE9178"/>
+                </a:solidFill>
+                <a:effectLst/>
+                <a:latin typeface="Menlo" panose="020B0609030804020204" pitchFamily="49" charset="0"/>
+              </a:rPr>
+              <a:t>"https://</a:t>
+            </a:r>
+            <a:r>
+              <a:rPr lang="en-GB" b="0" dirty="0" err="1">
+                <a:solidFill>
+                  <a:srgbClr val="CE9178"/>
+                </a:solidFill>
+                <a:effectLst/>
+                <a:latin typeface="Menlo" panose="020B0609030804020204" pitchFamily="49" charset="0"/>
+              </a:rPr>
+              <a:t>soundcloud.com</a:t>
+            </a:r>
+            <a:r>
+              <a:rPr lang="en-GB" b="0" dirty="0">
+                <a:solidFill>
+                  <a:srgbClr val="CE9178"/>
+                </a:solidFill>
+                <a:effectLst/>
+                <a:latin typeface="Menlo" panose="020B0609030804020204" pitchFamily="49" charset="0"/>
+              </a:rPr>
+              <a:t>/</a:t>
+            </a:r>
+            <a:r>
+              <a:rPr lang="en-GB" b="0" dirty="0" err="1">
+                <a:solidFill>
+                  <a:srgbClr val="CE9178"/>
+                </a:solidFill>
+                <a:effectLst/>
+                <a:latin typeface="Menlo" panose="020B0609030804020204" pitchFamily="49" charset="0"/>
+              </a:rPr>
+              <a:t>freelin_k</a:t>
+            </a:r>
+            <a:r>
+              <a:rPr lang="en-GB" b="0" dirty="0">
+                <a:solidFill>
+                  <a:srgbClr val="CE9178"/>
+                </a:solidFill>
+                <a:effectLst/>
+                <a:latin typeface="Menlo" panose="020B0609030804020204" pitchFamily="49" charset="0"/>
+              </a:rPr>
+              <a:t>"</a:t>
+            </a:r>
+            <a:r>
+              <a:rPr lang="en-GB" b="0" dirty="0">
+                <a:solidFill>
+                  <a:srgbClr val="D4D4D4"/>
+                </a:solidFill>
+                <a:effectLst/>
+                <a:latin typeface="Menlo" panose="020B0609030804020204" pitchFamily="49" charset="0"/>
+              </a:rPr>
+              <a:t> </a:t>
+            </a:r>
+            <a:r>
+              <a:rPr lang="en-GB" b="0" dirty="0">
+                <a:solidFill>
+                  <a:srgbClr val="9CDCFE"/>
+                </a:solidFill>
+                <a:effectLst/>
+                <a:latin typeface="Menlo" panose="020B0609030804020204" pitchFamily="49" charset="0"/>
+              </a:rPr>
+              <a:t>title</a:t>
+            </a:r>
+            <a:r>
+              <a:rPr lang="en-GB" b="0" dirty="0">
+                <a:solidFill>
+                  <a:srgbClr val="D4D4D4"/>
+                </a:solidFill>
+                <a:effectLst/>
+                <a:latin typeface="Menlo" panose="020B0609030804020204" pitchFamily="49" charset="0"/>
+              </a:rPr>
+              <a:t>=</a:t>
+            </a:r>
+            <a:r>
+              <a:rPr lang="en-GB" b="0" dirty="0">
+                <a:solidFill>
+                  <a:srgbClr val="CE9178"/>
+                </a:solidFill>
+                <a:effectLst/>
+                <a:latin typeface="Menlo" panose="020B0609030804020204" pitchFamily="49" charset="0"/>
+              </a:rPr>
+              <a:t>"</a:t>
+            </a:r>
+            <a:r>
+              <a:rPr lang="en-GB" b="0" dirty="0" err="1">
+                <a:solidFill>
+                  <a:srgbClr val="CE9178"/>
+                </a:solidFill>
+                <a:effectLst/>
+                <a:latin typeface="Menlo" panose="020B0609030804020204" pitchFamily="49" charset="0"/>
+              </a:rPr>
+              <a:t>freelink</a:t>
+            </a:r>
+            <a:r>
+              <a:rPr lang="en-GB" b="0" dirty="0">
+                <a:solidFill>
+                  <a:srgbClr val="CE9178"/>
+                </a:solidFill>
+                <a:effectLst/>
+                <a:latin typeface="Menlo" panose="020B0609030804020204" pitchFamily="49" charset="0"/>
+              </a:rPr>
+              <a:t>"</a:t>
+            </a:r>
+            <a:r>
+              <a:rPr lang="en-GB" b="0" dirty="0">
+                <a:solidFill>
+                  <a:srgbClr val="D4D4D4"/>
+                </a:solidFill>
+                <a:effectLst/>
+                <a:latin typeface="Menlo" panose="020B0609030804020204" pitchFamily="49" charset="0"/>
+              </a:rPr>
+              <a:t> </a:t>
+            </a:r>
+            <a:r>
+              <a:rPr lang="en-GB" b="0" dirty="0">
+                <a:solidFill>
+                  <a:srgbClr val="9CDCFE"/>
+                </a:solidFill>
+                <a:effectLst/>
+                <a:latin typeface="Menlo" panose="020B0609030804020204" pitchFamily="49" charset="0"/>
+              </a:rPr>
+              <a:t>target</a:t>
+            </a:r>
+            <a:r>
+              <a:rPr lang="en-GB" b="0" dirty="0">
+                <a:solidFill>
+                  <a:srgbClr val="D4D4D4"/>
+                </a:solidFill>
+                <a:effectLst/>
+                <a:latin typeface="Menlo" panose="020B0609030804020204" pitchFamily="49" charset="0"/>
+              </a:rPr>
+              <a:t>=</a:t>
+            </a:r>
+            <a:r>
+              <a:rPr lang="en-GB" b="0" dirty="0">
+                <a:solidFill>
+                  <a:srgbClr val="CE9178"/>
+                </a:solidFill>
+                <a:effectLst/>
+                <a:latin typeface="Menlo" panose="020B0609030804020204" pitchFamily="49" charset="0"/>
+              </a:rPr>
+              <a:t>"_blank"</a:t>
+            </a:r>
+            <a:r>
+              <a:rPr lang="en-GB" b="0" dirty="0">
+                <a:solidFill>
+                  <a:srgbClr val="D4D4D4"/>
+                </a:solidFill>
+                <a:effectLst/>
+                <a:latin typeface="Menlo" panose="020B0609030804020204" pitchFamily="49" charset="0"/>
+              </a:rPr>
+              <a:t> </a:t>
+            </a:r>
+            <a:r>
+              <a:rPr lang="en-GB" b="0" dirty="0">
+                <a:solidFill>
+                  <a:srgbClr val="9CDCFE"/>
+                </a:solidFill>
+                <a:effectLst/>
+                <a:latin typeface="Menlo" panose="020B0609030804020204" pitchFamily="49" charset="0"/>
+              </a:rPr>
+              <a:t>style</a:t>
+            </a:r>
+            <a:r>
+              <a:rPr lang="en-GB" b="0" dirty="0">
+                <a:solidFill>
+                  <a:srgbClr val="D4D4D4"/>
+                </a:solidFill>
+                <a:effectLst/>
+                <a:latin typeface="Menlo" panose="020B0609030804020204" pitchFamily="49" charset="0"/>
+              </a:rPr>
+              <a:t>=</a:t>
+            </a:r>
+            <a:r>
+              <a:rPr lang="en-GB" b="0" dirty="0">
+                <a:solidFill>
+                  <a:srgbClr val="CE9178"/>
+                </a:solidFill>
+                <a:effectLst/>
+                <a:latin typeface="Menlo" panose="020B0609030804020204" pitchFamily="49" charset="0"/>
+              </a:rPr>
+              <a:t>"</a:t>
+            </a:r>
+            <a:r>
+              <a:rPr lang="en-GB" b="0" dirty="0" err="1">
+                <a:solidFill>
+                  <a:srgbClr val="CE9178"/>
+                </a:solidFill>
+                <a:effectLst/>
+                <a:latin typeface="Menlo" panose="020B0609030804020204" pitchFamily="49" charset="0"/>
+              </a:rPr>
+              <a:t>color</a:t>
+            </a:r>
+            <a:r>
+              <a:rPr lang="en-GB" b="0" dirty="0">
+                <a:solidFill>
+                  <a:srgbClr val="CE9178"/>
+                </a:solidFill>
+                <a:effectLst/>
+                <a:latin typeface="Menlo" panose="020B0609030804020204" pitchFamily="49" charset="0"/>
+              </a:rPr>
+              <a:t>: #</a:t>
+            </a:r>
+            <a:r>
+              <a:rPr lang="en-GB" b="0" dirty="0" err="1">
+                <a:solidFill>
+                  <a:srgbClr val="CE9178"/>
+                </a:solidFill>
+                <a:effectLst/>
+                <a:latin typeface="Menlo" panose="020B0609030804020204" pitchFamily="49" charset="0"/>
+              </a:rPr>
+              <a:t>cccccc</a:t>
+            </a:r>
+            <a:r>
+              <a:rPr lang="en-GB" b="0" dirty="0">
+                <a:solidFill>
+                  <a:srgbClr val="CE9178"/>
+                </a:solidFill>
+                <a:effectLst/>
+                <a:latin typeface="Menlo" panose="020B0609030804020204" pitchFamily="49" charset="0"/>
+              </a:rPr>
+              <a:t>; text-decoration: none;"</a:t>
+            </a:r>
+            <a:r>
+              <a:rPr lang="en-GB" b="0" dirty="0">
+                <a:solidFill>
+                  <a:srgbClr val="808080"/>
+                </a:solidFill>
+                <a:effectLst/>
+                <a:latin typeface="Menlo" panose="020B0609030804020204" pitchFamily="49" charset="0"/>
+              </a:rPr>
+              <a:t>&gt;&lt;/</a:t>
+            </a:r>
+            <a:r>
+              <a:rPr lang="en-GB" b="0" dirty="0">
+                <a:solidFill>
+                  <a:srgbClr val="569CD6"/>
+                </a:solidFill>
+                <a:effectLst/>
+                <a:latin typeface="Menlo" panose="020B0609030804020204" pitchFamily="49" charset="0"/>
+              </a:rPr>
+              <a:t>a</a:t>
+            </a:r>
+            <a:r>
+              <a:rPr lang="en-GB" b="0" dirty="0">
+                <a:solidFill>
+                  <a:srgbClr val="808080"/>
+                </a:solidFill>
+                <a:effectLst/>
+                <a:latin typeface="Menlo" panose="020B0609030804020204" pitchFamily="49" charset="0"/>
+              </a:rPr>
+              <a:t>&gt;</a:t>
+            </a:r>
+            <a:r>
+              <a:rPr lang="en-GB" b="0" dirty="0">
+                <a:solidFill>
+                  <a:srgbClr val="D4D4D4"/>
+                </a:solidFill>
+                <a:effectLst/>
+                <a:latin typeface="Menlo" panose="020B0609030804020204" pitchFamily="49" charset="0"/>
+              </a:rPr>
+              <a:t> · </a:t>
+            </a:r>
+            <a:r>
+              <a:rPr lang="en-GB" b="0" dirty="0">
+                <a:solidFill>
+                  <a:srgbClr val="808080"/>
+                </a:solidFill>
+                <a:effectLst/>
+                <a:latin typeface="Menlo" panose="020B0609030804020204" pitchFamily="49" charset="0"/>
+              </a:rPr>
+              <a:t>&lt;</a:t>
+            </a:r>
+            <a:r>
+              <a:rPr lang="en-GB" b="0" dirty="0">
+                <a:solidFill>
+                  <a:srgbClr val="569CD6"/>
+                </a:solidFill>
+                <a:effectLst/>
+                <a:latin typeface="Menlo" panose="020B0609030804020204" pitchFamily="49" charset="0"/>
+              </a:rPr>
+              <a:t>a</a:t>
+            </a:r>
+            <a:r>
+              <a:rPr lang="en-GB" b="0" dirty="0">
+                <a:solidFill>
+                  <a:srgbClr val="D4D4D4"/>
+                </a:solidFill>
+                <a:effectLst/>
+                <a:latin typeface="Menlo" panose="020B0609030804020204" pitchFamily="49" charset="0"/>
+              </a:rPr>
+              <a:t> </a:t>
+            </a:r>
+            <a:r>
+              <a:rPr lang="en-GB" b="0" dirty="0" err="1">
+                <a:solidFill>
+                  <a:srgbClr val="9CDCFE"/>
+                </a:solidFill>
+                <a:effectLst/>
+                <a:latin typeface="Menlo" panose="020B0609030804020204" pitchFamily="49" charset="0"/>
+              </a:rPr>
+              <a:t>href</a:t>
+            </a:r>
+            <a:r>
+              <a:rPr lang="en-GB" b="0" dirty="0">
+                <a:solidFill>
+                  <a:srgbClr val="D4D4D4"/>
+                </a:solidFill>
+                <a:effectLst/>
+                <a:latin typeface="Menlo" panose="020B0609030804020204" pitchFamily="49" charset="0"/>
+              </a:rPr>
+              <a:t>=</a:t>
+            </a:r>
+            <a:r>
+              <a:rPr lang="en-GB" b="0" dirty="0">
+                <a:solidFill>
+                  <a:srgbClr val="CE9178"/>
+                </a:solidFill>
+                <a:effectLst/>
+                <a:latin typeface="Menlo" panose="020B0609030804020204" pitchFamily="49" charset="0"/>
+              </a:rPr>
+              <a:t>"https://</a:t>
+            </a:r>
+            <a:r>
+              <a:rPr lang="en-GB" b="0" dirty="0" err="1">
+                <a:solidFill>
+                  <a:srgbClr val="CE9178"/>
+                </a:solidFill>
+                <a:effectLst/>
+                <a:latin typeface="Menlo" panose="020B0609030804020204" pitchFamily="49" charset="0"/>
+              </a:rPr>
+              <a:t>soundcloud.com</a:t>
+            </a:r>
+            <a:r>
+              <a:rPr lang="en-GB" b="0" dirty="0">
+                <a:solidFill>
+                  <a:srgbClr val="CE9178"/>
+                </a:solidFill>
+                <a:effectLst/>
+                <a:latin typeface="Menlo" panose="020B0609030804020204" pitchFamily="49" charset="0"/>
+              </a:rPr>
+              <a:t>/</a:t>
+            </a:r>
+            <a:r>
+              <a:rPr lang="en-GB" b="0" dirty="0" err="1">
+                <a:solidFill>
+                  <a:srgbClr val="CE9178"/>
+                </a:solidFill>
+                <a:effectLst/>
+                <a:latin typeface="Menlo" panose="020B0609030804020204" pitchFamily="49" charset="0"/>
+              </a:rPr>
+              <a:t>freelin_k</a:t>
+            </a:r>
+            <a:r>
+              <a:rPr lang="en-GB" b="0" dirty="0">
+                <a:solidFill>
+                  <a:srgbClr val="CE9178"/>
+                </a:solidFill>
+                <a:effectLst/>
+                <a:latin typeface="Menlo" panose="020B0609030804020204" pitchFamily="49" charset="0"/>
+              </a:rPr>
+              <a:t>/sets/the-squares-have-taken-over/s-gIBzDjq19g7"</a:t>
+            </a:r>
+            <a:r>
+              <a:rPr lang="en-GB" b="0" dirty="0">
+                <a:solidFill>
+                  <a:srgbClr val="D4D4D4"/>
+                </a:solidFill>
+                <a:effectLst/>
+                <a:latin typeface="Menlo" panose="020B0609030804020204" pitchFamily="49" charset="0"/>
+              </a:rPr>
+              <a:t> </a:t>
+            </a:r>
+            <a:r>
+              <a:rPr lang="en-GB" b="0" dirty="0">
+                <a:solidFill>
+                  <a:srgbClr val="9CDCFE"/>
+                </a:solidFill>
+                <a:effectLst/>
+                <a:latin typeface="Menlo" panose="020B0609030804020204" pitchFamily="49" charset="0"/>
+              </a:rPr>
+              <a:t>title</a:t>
+            </a:r>
+            <a:r>
+              <a:rPr lang="en-GB" b="0" dirty="0">
+                <a:solidFill>
+                  <a:srgbClr val="D4D4D4"/>
+                </a:solidFill>
+                <a:effectLst/>
+                <a:latin typeface="Menlo" panose="020B0609030804020204" pitchFamily="49" charset="0"/>
+              </a:rPr>
+              <a:t>=</a:t>
+            </a:r>
+            <a:r>
+              <a:rPr lang="en-GB" b="0" dirty="0">
+                <a:solidFill>
+                  <a:srgbClr val="CE9178"/>
+                </a:solidFill>
+                <a:effectLst/>
+                <a:latin typeface="Menlo" panose="020B0609030804020204" pitchFamily="49" charset="0"/>
+              </a:rPr>
+              <a:t>"The Squares Have Taken Over"</a:t>
+            </a:r>
+            <a:r>
+              <a:rPr lang="en-GB" b="0" dirty="0">
+                <a:solidFill>
+                  <a:srgbClr val="D4D4D4"/>
+                </a:solidFill>
+                <a:effectLst/>
+                <a:latin typeface="Menlo" panose="020B0609030804020204" pitchFamily="49" charset="0"/>
+              </a:rPr>
+              <a:t> </a:t>
+            </a:r>
+            <a:r>
+              <a:rPr lang="en-GB" b="0" dirty="0">
+                <a:solidFill>
+                  <a:srgbClr val="9CDCFE"/>
+                </a:solidFill>
+                <a:effectLst/>
+                <a:latin typeface="Menlo" panose="020B0609030804020204" pitchFamily="49" charset="0"/>
+              </a:rPr>
+              <a:t>target</a:t>
+            </a:r>
+            <a:r>
+              <a:rPr lang="en-GB" b="0" dirty="0">
+                <a:solidFill>
+                  <a:srgbClr val="D4D4D4"/>
+                </a:solidFill>
+                <a:effectLst/>
+                <a:latin typeface="Menlo" panose="020B0609030804020204" pitchFamily="49" charset="0"/>
+              </a:rPr>
+              <a:t>=</a:t>
+            </a:r>
+            <a:r>
+              <a:rPr lang="en-GB" b="0" dirty="0">
+                <a:solidFill>
+                  <a:srgbClr val="CE9178"/>
+                </a:solidFill>
+                <a:effectLst/>
+                <a:latin typeface="Menlo" panose="020B0609030804020204" pitchFamily="49" charset="0"/>
+              </a:rPr>
+              <a:t>"_blank"</a:t>
+            </a:r>
+            <a:r>
+              <a:rPr lang="en-GB" b="0" dirty="0">
+                <a:solidFill>
+                  <a:srgbClr val="D4D4D4"/>
+                </a:solidFill>
+                <a:effectLst/>
+                <a:latin typeface="Menlo" panose="020B0609030804020204" pitchFamily="49" charset="0"/>
+              </a:rPr>
+              <a:t> </a:t>
+            </a:r>
+            <a:r>
+              <a:rPr lang="en-GB" b="0" dirty="0">
+                <a:solidFill>
+                  <a:srgbClr val="9CDCFE"/>
+                </a:solidFill>
+                <a:effectLst/>
+                <a:latin typeface="Menlo" panose="020B0609030804020204" pitchFamily="49" charset="0"/>
+              </a:rPr>
+              <a:t>style</a:t>
+            </a:r>
+            <a:r>
+              <a:rPr lang="en-GB" b="0" dirty="0">
+                <a:solidFill>
+                  <a:srgbClr val="D4D4D4"/>
+                </a:solidFill>
+                <a:effectLst/>
+                <a:latin typeface="Menlo" panose="020B0609030804020204" pitchFamily="49" charset="0"/>
+              </a:rPr>
+              <a:t>=</a:t>
+            </a:r>
+            <a:r>
+              <a:rPr lang="en-GB" b="0" dirty="0">
+                <a:solidFill>
+                  <a:srgbClr val="CE9178"/>
+                </a:solidFill>
+                <a:effectLst/>
+                <a:latin typeface="Menlo" panose="020B0609030804020204" pitchFamily="49" charset="0"/>
+              </a:rPr>
+              <a:t>"</a:t>
+            </a:r>
+            <a:r>
+              <a:rPr lang="en-GB" b="0" dirty="0" err="1">
+                <a:solidFill>
+                  <a:srgbClr val="CE9178"/>
+                </a:solidFill>
+                <a:effectLst/>
+                <a:latin typeface="Menlo" panose="020B0609030804020204" pitchFamily="49" charset="0"/>
+              </a:rPr>
+              <a:t>color</a:t>
+            </a:r>
+            <a:r>
+              <a:rPr lang="en-GB" b="0" dirty="0">
+                <a:solidFill>
+                  <a:srgbClr val="CE9178"/>
+                </a:solidFill>
+                <a:effectLst/>
+                <a:latin typeface="Menlo" panose="020B0609030804020204" pitchFamily="49" charset="0"/>
+              </a:rPr>
+              <a:t>: #</a:t>
+            </a:r>
+            <a:r>
+              <a:rPr lang="en-GB" b="0" dirty="0" err="1">
+                <a:solidFill>
+                  <a:srgbClr val="CE9178"/>
+                </a:solidFill>
+                <a:effectLst/>
+                <a:latin typeface="Menlo" panose="020B0609030804020204" pitchFamily="49" charset="0"/>
+              </a:rPr>
+              <a:t>cccccc</a:t>
+            </a:r>
+            <a:r>
+              <a:rPr lang="en-GB" b="0" dirty="0">
+                <a:solidFill>
+                  <a:srgbClr val="CE9178"/>
+                </a:solidFill>
+                <a:effectLst/>
+                <a:latin typeface="Menlo" panose="020B0609030804020204" pitchFamily="49" charset="0"/>
+              </a:rPr>
+              <a:t>; text-decoration: none;"</a:t>
+            </a:r>
+            <a:r>
+              <a:rPr lang="en-GB" b="0" dirty="0">
+                <a:solidFill>
+                  <a:srgbClr val="808080"/>
+                </a:solidFill>
+                <a:effectLst/>
+                <a:latin typeface="Menlo" panose="020B0609030804020204" pitchFamily="49" charset="0"/>
+              </a:rPr>
+              <a:t>&gt;&lt;/</a:t>
+            </a:r>
+            <a:r>
+              <a:rPr lang="en-GB" b="0" dirty="0">
+                <a:solidFill>
+                  <a:srgbClr val="569CD6"/>
+                </a:solidFill>
+                <a:effectLst/>
+                <a:latin typeface="Menlo" panose="020B0609030804020204" pitchFamily="49" charset="0"/>
+              </a:rPr>
+              <a:t>a</a:t>
+            </a:r>
+            <a:r>
+              <a:rPr lang="en-GB" b="0" dirty="0">
+                <a:solidFill>
+                  <a:srgbClr val="808080"/>
+                </a:solidFill>
+                <a:effectLst/>
+                <a:latin typeface="Menlo" panose="020B0609030804020204" pitchFamily="49" charset="0"/>
+              </a:rPr>
+              <a:t>&gt;&lt;/</a:t>
+            </a:r>
+            <a:r>
+              <a:rPr lang="en-GB" b="0" dirty="0">
+                <a:solidFill>
+                  <a:srgbClr val="569CD6"/>
+                </a:solidFill>
+                <a:effectLst/>
+                <a:latin typeface="Menlo" panose="020B0609030804020204" pitchFamily="49" charset="0"/>
+              </a:rPr>
+              <a:t>div</a:t>
+            </a:r>
+            <a:r>
+              <a:rPr lang="en-GB" b="0" dirty="0">
+                <a:solidFill>
+                  <a:srgbClr val="808080"/>
+                </a:solidFill>
+                <a:effectLst/>
+                <a:latin typeface="Menlo" panose="020B0609030804020204" pitchFamily="49" charset="0"/>
+              </a:rPr>
+              <a:t>&gt;</a:t>
+            </a:r>
+            <a:endParaRPr lang="en-GB" b="0" dirty="0">
+              <a:solidFill>
+                <a:srgbClr val="D4D4D4"/>
+              </a:solidFill>
+              <a:effectLst/>
+              <a:latin typeface="Menlo" panose="020B0609030804020204" pitchFamily="49" charset="0"/>
+            </a:endParaRPr>
+          </a:p>
           <a:p>
             <a:endParaRPr lang="en-NL" dirty="0"/>
           </a:p>
